--- a/Choosing a Social Network Tool (December 2013).pptx
+++ b/Choosing a Social Network Tool (December 2013).pptx
@@ -5,7 +5,7 @@
     <p:sldMasterId id="2147483840" r:id="rId1"/>
   </p:sldMasterIdLst>
   <p:notesMasterIdLst>
-    <p:notesMasterId r:id="rId19"/>
+    <p:notesMasterId r:id="rId20"/>
   </p:notesMasterIdLst>
   <p:sldIdLst>
     <p:sldId id="256" r:id="rId2"/>
@@ -24,7 +24,8 @@
     <p:sldId id="269" r:id="rId15"/>
     <p:sldId id="270" r:id="rId16"/>
     <p:sldId id="271" r:id="rId17"/>
-    <p:sldId id="274" r:id="rId18"/>
+    <p:sldId id="276" r:id="rId18"/>
+    <p:sldId id="274" r:id="rId19"/>
   </p:sldIdLst>
   <p:sldSz cx="12192000" cy="6858000"/>
   <p:notesSz cx="6858000" cy="9144000"/>
@@ -4701,6 +4702,2492 @@
 </file>
 
 <file path=ppt/slides/slide17.xml><?xml version="1.0" encoding="utf-8"?>
+<p:sld xmlns:a="http://schemas.openxmlformats.org/drawingml/2006/main" xmlns:r="http://schemas.openxmlformats.org/officeDocument/2006/relationships" xmlns:p="http://schemas.openxmlformats.org/presentationml/2006/main">
+  <p:cSld>
+    <p:spTree>
+      <p:nvGrpSpPr>
+        <p:cNvPr id="1" name=""/>
+        <p:cNvGrpSpPr/>
+        <p:nvPr/>
+      </p:nvGrpSpPr>
+      <p:grpSpPr>
+        <a:xfrm>
+          <a:off x="0" y="0"/>
+          <a:ext cx="0" cy="0"/>
+          <a:chOff x="0" y="0"/>
+          <a:chExt cx="0" cy="0"/>
+        </a:xfrm>
+      </p:grpSpPr>
+      <p:sp>
+        <p:nvSpPr>
+          <p:cNvPr id="2" name="Title 1"/>
+          <p:cNvSpPr>
+            <a:spLocks noGrp="1"/>
+          </p:cNvSpPr>
+          <p:nvPr>
+            <p:ph type="title"/>
+          </p:nvPr>
+        </p:nvSpPr>
+        <p:spPr/>
+        <p:txBody>
+          <a:bodyPr/>
+          <a:lstStyle/>
+          <a:p>
+            <a:r>
+              <a:rPr lang="en-US" dirty="0" smtClean="0"/>
+              <a:t>The Payoff!</a:t>
+            </a:r>
+            <a:endParaRPr lang="en-US" dirty="0"/>
+          </a:p>
+        </p:txBody>
+      </p:sp>
+      <p:graphicFrame>
+        <p:nvGraphicFramePr>
+          <p:cNvPr id="4" name="Content Placeholder 3"/>
+          <p:cNvGraphicFramePr>
+            <a:graphicFrameLocks noGrp="1"/>
+          </p:cNvGraphicFramePr>
+          <p:nvPr>
+            <p:ph idx="1"/>
+            <p:extLst>
+              <p:ext uri="{D42A27DB-BD31-4B8C-83A1-F6EECF244321}">
+                <p14:modId xmlns:p14="http://schemas.microsoft.com/office/powerpoint/2010/main" val="1496933847"/>
+              </p:ext>
+            </p:extLst>
+          </p:nvPr>
+        </p:nvGraphicFramePr>
+        <p:xfrm>
+          <a:off x="1262063" y="1875715"/>
+          <a:ext cx="8661865" cy="4501612"/>
+        </p:xfrm>
+        <a:graphic>
+          <a:graphicData uri="http://schemas.openxmlformats.org/drawingml/2006/table">
+            <a:tbl>
+              <a:tblPr firstRow="1" firstCol="1" bandRow="1">
+                <a:tableStyleId>{5C22544A-7EE6-4342-B048-85BDC9FD1C3A}</a:tableStyleId>
+              </a:tblPr>
+              <a:tblGrid>
+                <a:gridCol w="1732373"/>
+                <a:gridCol w="1732373"/>
+                <a:gridCol w="1732373"/>
+                <a:gridCol w="1732373"/>
+                <a:gridCol w="1732373"/>
+              </a:tblGrid>
+              <a:tr h="158145">
+                <a:tc>
+                  <a:txBody>
+                    <a:bodyPr/>
+                    <a:lstStyle/>
+                    <a:p>
+                      <a:pPr marL="0" marR="0" algn="l">
+                        <a:lnSpc>
+                          <a:spcPct val="115000"/>
+                        </a:lnSpc>
+                        <a:spcBef>
+                          <a:spcPts val="0"/>
+                        </a:spcBef>
+                        <a:spcAft>
+                          <a:spcPts val="0"/>
+                        </a:spcAft>
+                      </a:pPr>
+                      <a:r>
+                        <a:rPr lang="en-US" sz="800">
+                          <a:effectLst/>
+                        </a:rPr>
+                        <a:t> </a:t>
+                      </a:r>
+                      <a:endParaRPr lang="en-US" sz="1100">
+                        <a:effectLst/>
+                        <a:latin typeface="Calibri" panose="020F0502020204030204" pitchFamily="34" charset="0"/>
+                        <a:ea typeface="MS Mincho" panose="02020609040205080304" pitchFamily="49" charset="-128"/>
+                        <a:cs typeface="Arial" panose="020B0604020202020204" pitchFamily="34" charset="0"/>
+                      </a:endParaRPr>
+                    </a:p>
+                  </a:txBody>
+                  <a:tcPr marL="68580" marR="68580" marT="0" marB="0"/>
+                </a:tc>
+                <a:tc>
+                  <a:txBody>
+                    <a:bodyPr/>
+                    <a:lstStyle/>
+                    <a:p>
+                      <a:pPr marL="0" marR="0" algn="l">
+                        <a:lnSpc>
+                          <a:spcPct val="115000"/>
+                        </a:lnSpc>
+                        <a:spcBef>
+                          <a:spcPts val="0"/>
+                        </a:spcBef>
+                        <a:spcAft>
+                          <a:spcPts val="0"/>
+                        </a:spcAft>
+                      </a:pPr>
+                      <a:r>
+                        <a:rPr lang="en-US" sz="800">
+                          <a:effectLst/>
+                        </a:rPr>
+                        <a:t>Model I</a:t>
+                      </a:r>
+                      <a:endParaRPr lang="en-US" sz="1100">
+                        <a:effectLst/>
+                        <a:latin typeface="Calibri" panose="020F0502020204030204" pitchFamily="34" charset="0"/>
+                        <a:ea typeface="MS Mincho" panose="02020609040205080304" pitchFamily="49" charset="-128"/>
+                        <a:cs typeface="Arial" panose="020B0604020202020204" pitchFamily="34" charset="0"/>
+                      </a:endParaRPr>
+                    </a:p>
+                  </a:txBody>
+                  <a:tcPr marL="68580" marR="68580" marT="0" marB="0"/>
+                </a:tc>
+                <a:tc>
+                  <a:txBody>
+                    <a:bodyPr/>
+                    <a:lstStyle/>
+                    <a:p>
+                      <a:pPr marL="0" marR="0" algn="l">
+                        <a:lnSpc>
+                          <a:spcPct val="115000"/>
+                        </a:lnSpc>
+                        <a:spcBef>
+                          <a:spcPts val="0"/>
+                        </a:spcBef>
+                        <a:spcAft>
+                          <a:spcPts val="0"/>
+                        </a:spcAft>
+                      </a:pPr>
+                      <a:r>
+                        <a:rPr lang="en-US" sz="800">
+                          <a:effectLst/>
+                        </a:rPr>
+                        <a:t>Model II</a:t>
+                      </a:r>
+                      <a:endParaRPr lang="en-US" sz="1100">
+                        <a:effectLst/>
+                        <a:latin typeface="Calibri" panose="020F0502020204030204" pitchFamily="34" charset="0"/>
+                        <a:ea typeface="MS Mincho" panose="02020609040205080304" pitchFamily="49" charset="-128"/>
+                        <a:cs typeface="Arial" panose="020B0604020202020204" pitchFamily="34" charset="0"/>
+                      </a:endParaRPr>
+                    </a:p>
+                  </a:txBody>
+                  <a:tcPr marL="68580" marR="68580" marT="0" marB="0"/>
+                </a:tc>
+                <a:tc>
+                  <a:txBody>
+                    <a:bodyPr/>
+                    <a:lstStyle/>
+                    <a:p>
+                      <a:pPr marL="0" marR="0" algn="l">
+                        <a:lnSpc>
+                          <a:spcPct val="115000"/>
+                        </a:lnSpc>
+                        <a:spcBef>
+                          <a:spcPts val="0"/>
+                        </a:spcBef>
+                        <a:spcAft>
+                          <a:spcPts val="0"/>
+                        </a:spcAft>
+                      </a:pPr>
+                      <a:r>
+                        <a:rPr lang="en-US" sz="800">
+                          <a:effectLst/>
+                        </a:rPr>
+                        <a:t>Model III</a:t>
+                      </a:r>
+                      <a:endParaRPr lang="en-US" sz="1100">
+                        <a:effectLst/>
+                        <a:latin typeface="Calibri" panose="020F0502020204030204" pitchFamily="34" charset="0"/>
+                        <a:ea typeface="MS Mincho" panose="02020609040205080304" pitchFamily="49" charset="-128"/>
+                        <a:cs typeface="Arial" panose="020B0604020202020204" pitchFamily="34" charset="0"/>
+                      </a:endParaRPr>
+                    </a:p>
+                  </a:txBody>
+                  <a:tcPr marL="68580" marR="68580" marT="0" marB="0"/>
+                </a:tc>
+                <a:tc>
+                  <a:txBody>
+                    <a:bodyPr/>
+                    <a:lstStyle/>
+                    <a:p>
+                      <a:pPr marL="0" marR="0" algn="l">
+                        <a:lnSpc>
+                          <a:spcPct val="115000"/>
+                        </a:lnSpc>
+                        <a:spcBef>
+                          <a:spcPts val="0"/>
+                        </a:spcBef>
+                        <a:spcAft>
+                          <a:spcPts val="0"/>
+                        </a:spcAft>
+                      </a:pPr>
+                      <a:r>
+                        <a:rPr lang="en-US" sz="800">
+                          <a:effectLst/>
+                        </a:rPr>
+                        <a:t>Model IV</a:t>
+                      </a:r>
+                      <a:endParaRPr lang="en-US" sz="1100">
+                        <a:effectLst/>
+                        <a:latin typeface="Calibri" panose="020F0502020204030204" pitchFamily="34" charset="0"/>
+                        <a:ea typeface="MS Mincho" panose="02020609040205080304" pitchFamily="49" charset="-128"/>
+                        <a:cs typeface="Arial" panose="020B0604020202020204" pitchFamily="34" charset="0"/>
+                      </a:endParaRPr>
+                    </a:p>
+                  </a:txBody>
+                  <a:tcPr marL="68580" marR="68580" marT="0" marB="0"/>
+                </a:tc>
+              </a:tr>
+              <a:tr h="1004036">
+                <a:tc>
+                  <a:txBody>
+                    <a:bodyPr/>
+                    <a:lstStyle/>
+                    <a:p>
+                      <a:pPr marL="0" marR="0" algn="l">
+                        <a:lnSpc>
+                          <a:spcPct val="115000"/>
+                        </a:lnSpc>
+                        <a:spcBef>
+                          <a:spcPts val="0"/>
+                        </a:spcBef>
+                        <a:spcAft>
+                          <a:spcPts val="0"/>
+                        </a:spcAft>
+                      </a:pPr>
+                      <a:r>
+                        <a:rPr lang="en-US" sz="800">
+                          <a:effectLst/>
+                        </a:rPr>
+                        <a:t>Ego Religiosity</a:t>
+                      </a:r>
+                      <a:endParaRPr lang="en-US" sz="1100">
+                        <a:effectLst/>
+                      </a:endParaRPr>
+                    </a:p>
+                    <a:p>
+                      <a:pPr marL="137160" marR="0" indent="-137160" algn="l">
+                        <a:lnSpc>
+                          <a:spcPct val="115000"/>
+                        </a:lnSpc>
+                        <a:spcBef>
+                          <a:spcPts val="0"/>
+                        </a:spcBef>
+                        <a:spcAft>
+                          <a:spcPts val="0"/>
+                        </a:spcAft>
+                      </a:pPr>
+                      <a:r>
+                        <a:rPr lang="en-US" sz="800">
+                          <a:effectLst/>
+                        </a:rPr>
+                        <a:t>Worship Attendance</a:t>
+                      </a:r>
+                      <a:endParaRPr lang="en-US" sz="1100">
+                        <a:effectLst/>
+                      </a:endParaRPr>
+                    </a:p>
+                    <a:p>
+                      <a:pPr marL="137160" marR="0" indent="-137160" algn="l">
+                        <a:lnSpc>
+                          <a:spcPct val="115000"/>
+                        </a:lnSpc>
+                        <a:spcBef>
+                          <a:spcPts val="0"/>
+                        </a:spcBef>
+                        <a:spcAft>
+                          <a:spcPts val="0"/>
+                        </a:spcAft>
+                      </a:pPr>
+                      <a:r>
+                        <a:rPr lang="en-US" sz="800">
+                          <a:effectLst/>
+                        </a:rPr>
+                        <a:t>Youth Group Participation</a:t>
+                      </a:r>
+                      <a:endParaRPr lang="en-US" sz="1100">
+                        <a:effectLst/>
+                      </a:endParaRPr>
+                    </a:p>
+                    <a:p>
+                      <a:pPr marL="137160" marR="0" indent="-137160" algn="l">
+                        <a:lnSpc>
+                          <a:spcPct val="115000"/>
+                        </a:lnSpc>
+                        <a:spcBef>
+                          <a:spcPts val="0"/>
+                        </a:spcBef>
+                        <a:spcAft>
+                          <a:spcPts val="0"/>
+                        </a:spcAft>
+                      </a:pPr>
+                      <a:r>
+                        <a:rPr lang="en-US" sz="800">
+                          <a:effectLst/>
+                        </a:rPr>
+                        <a:t>Frequency of Prayer</a:t>
+                      </a:r>
+                      <a:endParaRPr lang="en-US" sz="1100">
+                        <a:effectLst/>
+                      </a:endParaRPr>
+                    </a:p>
+                    <a:p>
+                      <a:pPr marL="137160" marR="0" indent="-137160" algn="l">
+                        <a:lnSpc>
+                          <a:spcPct val="115000"/>
+                        </a:lnSpc>
+                        <a:spcBef>
+                          <a:spcPts val="0"/>
+                        </a:spcBef>
+                        <a:spcAft>
+                          <a:spcPts val="0"/>
+                        </a:spcAft>
+                      </a:pPr>
+                      <a:r>
+                        <a:rPr lang="en-US" sz="800">
+                          <a:effectLst/>
+                        </a:rPr>
+                        <a:t>Biblical Literalism</a:t>
+                      </a:r>
+                      <a:endParaRPr lang="en-US" sz="1100">
+                        <a:effectLst/>
+                      </a:endParaRPr>
+                    </a:p>
+                    <a:p>
+                      <a:pPr marL="137160" marR="0" indent="-137160" algn="l">
+                        <a:lnSpc>
+                          <a:spcPct val="115000"/>
+                        </a:lnSpc>
+                        <a:spcBef>
+                          <a:spcPts val="0"/>
+                        </a:spcBef>
+                        <a:spcAft>
+                          <a:spcPts val="0"/>
+                        </a:spcAft>
+                      </a:pPr>
+                      <a:r>
+                        <a:rPr lang="en-US" sz="800">
+                          <a:effectLst/>
+                        </a:rPr>
+                        <a:t>Born-again</a:t>
+                      </a:r>
+                      <a:endParaRPr lang="en-US" sz="1100">
+                        <a:effectLst/>
+                        <a:latin typeface="Calibri" panose="020F0502020204030204" pitchFamily="34" charset="0"/>
+                        <a:ea typeface="MS Mincho" panose="02020609040205080304" pitchFamily="49" charset="-128"/>
+                        <a:cs typeface="Arial" panose="020B0604020202020204" pitchFamily="34" charset="0"/>
+                      </a:endParaRPr>
+                    </a:p>
+                  </a:txBody>
+                  <a:tcPr marL="68580" marR="68580" marT="0" marB="0"/>
+                </a:tc>
+                <a:tc>
+                  <a:txBody>
+                    <a:bodyPr/>
+                    <a:lstStyle/>
+                    <a:p>
+                      <a:pPr marL="0" marR="0" algn="l">
+                        <a:lnSpc>
+                          <a:spcPct val="115000"/>
+                        </a:lnSpc>
+                        <a:spcBef>
+                          <a:spcPts val="0"/>
+                        </a:spcBef>
+                        <a:spcAft>
+                          <a:spcPts val="0"/>
+                        </a:spcAft>
+                      </a:pPr>
+                      <a:r>
+                        <a:rPr lang="en-US" sz="800">
+                          <a:effectLst/>
+                        </a:rPr>
+                        <a:t> </a:t>
+                      </a:r>
+                      <a:endParaRPr lang="en-US" sz="1100">
+                        <a:effectLst/>
+                      </a:endParaRPr>
+                    </a:p>
+                    <a:p>
+                      <a:pPr marL="0" marR="0" algn="l">
+                        <a:lnSpc>
+                          <a:spcPct val="115000"/>
+                        </a:lnSpc>
+                        <a:spcBef>
+                          <a:spcPts val="0"/>
+                        </a:spcBef>
+                        <a:spcAft>
+                          <a:spcPts val="0"/>
+                        </a:spcAft>
+                      </a:pPr>
+                      <a:r>
+                        <a:rPr lang="en-US" sz="800">
+                          <a:effectLst/>
+                        </a:rPr>
+                        <a:t>.173 (.016)***</a:t>
+                      </a:r>
+                      <a:endParaRPr lang="en-US" sz="1100">
+                        <a:effectLst/>
+                      </a:endParaRPr>
+                    </a:p>
+                    <a:p>
+                      <a:pPr marL="0" marR="0" algn="l">
+                        <a:lnSpc>
+                          <a:spcPct val="115000"/>
+                        </a:lnSpc>
+                        <a:spcBef>
+                          <a:spcPts val="0"/>
+                        </a:spcBef>
+                        <a:spcAft>
+                          <a:spcPts val="0"/>
+                        </a:spcAft>
+                      </a:pPr>
+                      <a:r>
+                        <a:rPr lang="en-US" sz="800">
+                          <a:effectLst/>
+                        </a:rPr>
+                        <a:t>.030 (.014)*</a:t>
+                      </a:r>
+                      <a:endParaRPr lang="en-US" sz="1100">
+                        <a:effectLst/>
+                      </a:endParaRPr>
+                    </a:p>
+                    <a:p>
+                      <a:pPr marL="0" marR="0" algn="l">
+                        <a:lnSpc>
+                          <a:spcPct val="115000"/>
+                        </a:lnSpc>
+                        <a:spcBef>
+                          <a:spcPts val="0"/>
+                        </a:spcBef>
+                        <a:spcAft>
+                          <a:spcPts val="0"/>
+                        </a:spcAft>
+                      </a:pPr>
+                      <a:r>
+                        <a:rPr lang="en-US" sz="800">
+                          <a:effectLst/>
+                        </a:rPr>
+                        <a:t>.232 (.013)***</a:t>
+                      </a:r>
+                      <a:endParaRPr lang="en-US" sz="1100">
+                        <a:effectLst/>
+                      </a:endParaRPr>
+                    </a:p>
+                    <a:p>
+                      <a:pPr marL="0" marR="0" algn="l">
+                        <a:lnSpc>
+                          <a:spcPct val="115000"/>
+                        </a:lnSpc>
+                        <a:spcBef>
+                          <a:spcPts val="0"/>
+                        </a:spcBef>
+                        <a:spcAft>
+                          <a:spcPts val="0"/>
+                        </a:spcAft>
+                      </a:pPr>
+                      <a:r>
+                        <a:rPr lang="en-US" sz="800">
+                          <a:effectLst/>
+                        </a:rPr>
+                        <a:t>.377 (.034)***</a:t>
+                      </a:r>
+                      <a:endParaRPr lang="en-US" sz="1100">
+                        <a:effectLst/>
+                      </a:endParaRPr>
+                    </a:p>
+                    <a:p>
+                      <a:pPr marL="0" marR="0" algn="l">
+                        <a:lnSpc>
+                          <a:spcPct val="115000"/>
+                        </a:lnSpc>
+                        <a:spcBef>
+                          <a:spcPts val="0"/>
+                        </a:spcBef>
+                        <a:spcAft>
+                          <a:spcPts val="0"/>
+                        </a:spcAft>
+                      </a:pPr>
+                      <a:r>
+                        <a:rPr lang="en-US" sz="800">
+                          <a:effectLst/>
+                        </a:rPr>
+                        <a:t>.141 (.033)***</a:t>
+                      </a:r>
+                      <a:endParaRPr lang="en-US" sz="1100">
+                        <a:effectLst/>
+                        <a:latin typeface="Calibri" panose="020F0502020204030204" pitchFamily="34" charset="0"/>
+                        <a:ea typeface="MS Mincho" panose="02020609040205080304" pitchFamily="49" charset="-128"/>
+                        <a:cs typeface="Arial" panose="020B0604020202020204" pitchFamily="34" charset="0"/>
+                      </a:endParaRPr>
+                    </a:p>
+                  </a:txBody>
+                  <a:tcPr marL="68580" marR="68580" marT="0" marB="0"/>
+                </a:tc>
+                <a:tc>
+                  <a:txBody>
+                    <a:bodyPr/>
+                    <a:lstStyle/>
+                    <a:p>
+                      <a:pPr marL="0" marR="0" algn="l">
+                        <a:lnSpc>
+                          <a:spcPct val="115000"/>
+                        </a:lnSpc>
+                        <a:spcBef>
+                          <a:spcPts val="0"/>
+                        </a:spcBef>
+                        <a:spcAft>
+                          <a:spcPts val="0"/>
+                        </a:spcAft>
+                      </a:pPr>
+                      <a:r>
+                        <a:rPr lang="en-US" sz="800">
+                          <a:effectLst/>
+                        </a:rPr>
+                        <a:t> </a:t>
+                      </a:r>
+                      <a:endParaRPr lang="en-US" sz="1100">
+                        <a:effectLst/>
+                      </a:endParaRPr>
+                    </a:p>
+                    <a:p>
+                      <a:pPr marL="0" marR="0" algn="l">
+                        <a:lnSpc>
+                          <a:spcPct val="115000"/>
+                        </a:lnSpc>
+                        <a:spcBef>
+                          <a:spcPts val="0"/>
+                        </a:spcBef>
+                        <a:spcAft>
+                          <a:spcPts val="0"/>
+                        </a:spcAft>
+                      </a:pPr>
+                      <a:r>
+                        <a:rPr lang="en-US" sz="800">
+                          <a:effectLst/>
+                        </a:rPr>
+                        <a:t>.168 (.016)***</a:t>
+                      </a:r>
+                      <a:endParaRPr lang="en-US" sz="1100">
+                        <a:effectLst/>
+                      </a:endParaRPr>
+                    </a:p>
+                    <a:p>
+                      <a:pPr marL="0" marR="0" algn="l">
+                        <a:lnSpc>
+                          <a:spcPct val="115000"/>
+                        </a:lnSpc>
+                        <a:spcBef>
+                          <a:spcPts val="0"/>
+                        </a:spcBef>
+                        <a:spcAft>
+                          <a:spcPts val="0"/>
+                        </a:spcAft>
+                      </a:pPr>
+                      <a:r>
+                        <a:rPr lang="en-US" sz="800">
+                          <a:effectLst/>
+                        </a:rPr>
+                        <a:t>.035 (.014)*</a:t>
+                      </a:r>
+                      <a:endParaRPr lang="en-US" sz="1100">
+                        <a:effectLst/>
+                      </a:endParaRPr>
+                    </a:p>
+                    <a:p>
+                      <a:pPr marL="0" marR="0" algn="l">
+                        <a:lnSpc>
+                          <a:spcPct val="115000"/>
+                        </a:lnSpc>
+                        <a:spcBef>
+                          <a:spcPts val="0"/>
+                        </a:spcBef>
+                        <a:spcAft>
+                          <a:spcPts val="0"/>
+                        </a:spcAft>
+                      </a:pPr>
+                      <a:r>
+                        <a:rPr lang="en-US" sz="800">
+                          <a:effectLst/>
+                        </a:rPr>
+                        <a:t>.227 (.014)***</a:t>
+                      </a:r>
+                      <a:endParaRPr lang="en-US" sz="1100">
+                        <a:effectLst/>
+                      </a:endParaRPr>
+                    </a:p>
+                    <a:p>
+                      <a:pPr marL="0" marR="0" algn="l">
+                        <a:lnSpc>
+                          <a:spcPct val="115000"/>
+                        </a:lnSpc>
+                        <a:spcBef>
+                          <a:spcPts val="0"/>
+                        </a:spcBef>
+                        <a:spcAft>
+                          <a:spcPts val="0"/>
+                        </a:spcAft>
+                      </a:pPr>
+                      <a:r>
+                        <a:rPr lang="en-US" sz="800">
+                          <a:effectLst/>
+                        </a:rPr>
+                        <a:t>.371 (.034)***</a:t>
+                      </a:r>
+                      <a:endParaRPr lang="en-US" sz="1100">
+                        <a:effectLst/>
+                      </a:endParaRPr>
+                    </a:p>
+                    <a:p>
+                      <a:pPr marL="0" marR="0" algn="l">
+                        <a:lnSpc>
+                          <a:spcPct val="115000"/>
+                        </a:lnSpc>
+                        <a:spcBef>
+                          <a:spcPts val="0"/>
+                        </a:spcBef>
+                        <a:spcAft>
+                          <a:spcPts val="0"/>
+                        </a:spcAft>
+                      </a:pPr>
+                      <a:r>
+                        <a:rPr lang="en-US" sz="800">
+                          <a:effectLst/>
+                        </a:rPr>
+                        <a:t>.146 (.032)***</a:t>
+                      </a:r>
+                      <a:endParaRPr lang="en-US" sz="1100">
+                        <a:effectLst/>
+                        <a:latin typeface="Calibri" panose="020F0502020204030204" pitchFamily="34" charset="0"/>
+                        <a:ea typeface="MS Mincho" panose="02020609040205080304" pitchFamily="49" charset="-128"/>
+                        <a:cs typeface="Arial" panose="020B0604020202020204" pitchFamily="34" charset="0"/>
+                      </a:endParaRPr>
+                    </a:p>
+                  </a:txBody>
+                  <a:tcPr marL="68580" marR="68580" marT="0" marB="0"/>
+                </a:tc>
+                <a:tc>
+                  <a:txBody>
+                    <a:bodyPr/>
+                    <a:lstStyle/>
+                    <a:p>
+                      <a:pPr marL="0" marR="0" algn="l">
+                        <a:lnSpc>
+                          <a:spcPct val="115000"/>
+                        </a:lnSpc>
+                        <a:spcBef>
+                          <a:spcPts val="0"/>
+                        </a:spcBef>
+                        <a:spcAft>
+                          <a:spcPts val="0"/>
+                        </a:spcAft>
+                      </a:pPr>
+                      <a:r>
+                        <a:rPr lang="en-US" sz="800">
+                          <a:effectLst/>
+                        </a:rPr>
+                        <a:t> </a:t>
+                      </a:r>
+                      <a:endParaRPr lang="en-US" sz="1100">
+                        <a:effectLst/>
+                      </a:endParaRPr>
+                    </a:p>
+                    <a:p>
+                      <a:pPr marL="0" marR="0" algn="l">
+                        <a:lnSpc>
+                          <a:spcPct val="115000"/>
+                        </a:lnSpc>
+                        <a:spcBef>
+                          <a:spcPts val="0"/>
+                        </a:spcBef>
+                        <a:spcAft>
+                          <a:spcPts val="0"/>
+                        </a:spcAft>
+                      </a:pPr>
+                      <a:r>
+                        <a:rPr lang="en-US" sz="800">
+                          <a:effectLst/>
+                        </a:rPr>
+                        <a:t>.160 (.016)***</a:t>
+                      </a:r>
+                      <a:endParaRPr lang="en-US" sz="1100">
+                        <a:effectLst/>
+                      </a:endParaRPr>
+                    </a:p>
+                    <a:p>
+                      <a:pPr marL="0" marR="0" algn="l">
+                        <a:lnSpc>
+                          <a:spcPct val="115000"/>
+                        </a:lnSpc>
+                        <a:spcBef>
+                          <a:spcPts val="0"/>
+                        </a:spcBef>
+                        <a:spcAft>
+                          <a:spcPts val="0"/>
+                        </a:spcAft>
+                      </a:pPr>
+                      <a:r>
+                        <a:rPr lang="en-US" sz="800">
+                          <a:effectLst/>
+                        </a:rPr>
+                        <a:t>.038 (.013)**</a:t>
+                      </a:r>
+                      <a:endParaRPr lang="en-US" sz="1100">
+                        <a:effectLst/>
+                      </a:endParaRPr>
+                    </a:p>
+                    <a:p>
+                      <a:pPr marL="0" marR="0" algn="l">
+                        <a:lnSpc>
+                          <a:spcPct val="115000"/>
+                        </a:lnSpc>
+                        <a:spcBef>
+                          <a:spcPts val="0"/>
+                        </a:spcBef>
+                        <a:spcAft>
+                          <a:spcPts val="0"/>
+                        </a:spcAft>
+                      </a:pPr>
+                      <a:r>
+                        <a:rPr lang="en-US" sz="800">
+                          <a:effectLst/>
+                        </a:rPr>
+                        <a:t>.219 (.013)***</a:t>
+                      </a:r>
+                      <a:endParaRPr lang="en-US" sz="1100">
+                        <a:effectLst/>
+                      </a:endParaRPr>
+                    </a:p>
+                    <a:p>
+                      <a:pPr marL="0" marR="0" algn="l">
+                        <a:lnSpc>
+                          <a:spcPct val="115000"/>
+                        </a:lnSpc>
+                        <a:spcBef>
+                          <a:spcPts val="0"/>
+                        </a:spcBef>
+                        <a:spcAft>
+                          <a:spcPts val="0"/>
+                        </a:spcAft>
+                      </a:pPr>
+                      <a:r>
+                        <a:rPr lang="en-US" sz="800">
+                          <a:effectLst/>
+                        </a:rPr>
+                        <a:t>.363 (.034)***</a:t>
+                      </a:r>
+                      <a:endParaRPr lang="en-US" sz="1100">
+                        <a:effectLst/>
+                      </a:endParaRPr>
+                    </a:p>
+                    <a:p>
+                      <a:pPr marL="0" marR="0" algn="l">
+                        <a:lnSpc>
+                          <a:spcPct val="115000"/>
+                        </a:lnSpc>
+                        <a:spcBef>
+                          <a:spcPts val="0"/>
+                        </a:spcBef>
+                        <a:spcAft>
+                          <a:spcPts val="0"/>
+                        </a:spcAft>
+                      </a:pPr>
+                      <a:r>
+                        <a:rPr lang="en-US" sz="800">
+                          <a:effectLst/>
+                        </a:rPr>
+                        <a:t>.154 (.032)***</a:t>
+                      </a:r>
+                      <a:endParaRPr lang="en-US" sz="1100">
+                        <a:effectLst/>
+                        <a:latin typeface="Calibri" panose="020F0502020204030204" pitchFamily="34" charset="0"/>
+                        <a:ea typeface="MS Mincho" panose="02020609040205080304" pitchFamily="49" charset="-128"/>
+                        <a:cs typeface="Arial" panose="020B0604020202020204" pitchFamily="34" charset="0"/>
+                      </a:endParaRPr>
+                    </a:p>
+                  </a:txBody>
+                  <a:tcPr marL="68580" marR="68580" marT="0" marB="0"/>
+                </a:tc>
+                <a:tc>
+                  <a:txBody>
+                    <a:bodyPr/>
+                    <a:lstStyle/>
+                    <a:p>
+                      <a:pPr marL="0" marR="0" algn="l">
+                        <a:lnSpc>
+                          <a:spcPct val="115000"/>
+                        </a:lnSpc>
+                        <a:spcBef>
+                          <a:spcPts val="0"/>
+                        </a:spcBef>
+                        <a:spcAft>
+                          <a:spcPts val="0"/>
+                        </a:spcAft>
+                      </a:pPr>
+                      <a:r>
+                        <a:rPr lang="en-US" sz="800">
+                          <a:effectLst/>
+                        </a:rPr>
+                        <a:t> </a:t>
+                      </a:r>
+                      <a:endParaRPr lang="en-US" sz="1100">
+                        <a:effectLst/>
+                      </a:endParaRPr>
+                    </a:p>
+                    <a:p>
+                      <a:pPr marL="0" marR="0" algn="l">
+                        <a:lnSpc>
+                          <a:spcPct val="115000"/>
+                        </a:lnSpc>
+                        <a:spcBef>
+                          <a:spcPts val="0"/>
+                        </a:spcBef>
+                        <a:spcAft>
+                          <a:spcPts val="0"/>
+                        </a:spcAft>
+                      </a:pPr>
+                      <a:r>
+                        <a:rPr lang="en-US" sz="800">
+                          <a:effectLst/>
+                        </a:rPr>
+                        <a:t>.154 (.016)***</a:t>
+                      </a:r>
+                      <a:endParaRPr lang="en-US" sz="1100">
+                        <a:effectLst/>
+                      </a:endParaRPr>
+                    </a:p>
+                    <a:p>
+                      <a:pPr marL="0" marR="0" algn="l">
+                        <a:lnSpc>
+                          <a:spcPct val="115000"/>
+                        </a:lnSpc>
+                        <a:spcBef>
+                          <a:spcPts val="0"/>
+                        </a:spcBef>
+                        <a:spcAft>
+                          <a:spcPts val="0"/>
+                        </a:spcAft>
+                      </a:pPr>
+                      <a:r>
+                        <a:rPr lang="en-US" sz="800">
+                          <a:effectLst/>
+                        </a:rPr>
+                        <a:t>.036 (.013)**</a:t>
+                      </a:r>
+                      <a:endParaRPr lang="en-US" sz="1100">
+                        <a:effectLst/>
+                      </a:endParaRPr>
+                    </a:p>
+                    <a:p>
+                      <a:pPr marL="0" marR="0" algn="l">
+                        <a:lnSpc>
+                          <a:spcPct val="115000"/>
+                        </a:lnSpc>
+                        <a:spcBef>
+                          <a:spcPts val="0"/>
+                        </a:spcBef>
+                        <a:spcAft>
+                          <a:spcPts val="0"/>
+                        </a:spcAft>
+                      </a:pPr>
+                      <a:r>
+                        <a:rPr lang="en-US" sz="800">
+                          <a:effectLst/>
+                        </a:rPr>
+                        <a:t>.212 (.013)***</a:t>
+                      </a:r>
+                      <a:endParaRPr lang="en-US" sz="1100">
+                        <a:effectLst/>
+                      </a:endParaRPr>
+                    </a:p>
+                    <a:p>
+                      <a:pPr marL="0" marR="0" algn="l">
+                        <a:lnSpc>
+                          <a:spcPct val="115000"/>
+                        </a:lnSpc>
+                        <a:spcBef>
+                          <a:spcPts val="0"/>
+                        </a:spcBef>
+                        <a:spcAft>
+                          <a:spcPts val="0"/>
+                        </a:spcAft>
+                      </a:pPr>
+                      <a:r>
+                        <a:rPr lang="en-US" sz="800">
+                          <a:effectLst/>
+                        </a:rPr>
+                        <a:t>.342 (.034)***</a:t>
+                      </a:r>
+                      <a:endParaRPr lang="en-US" sz="1100">
+                        <a:effectLst/>
+                      </a:endParaRPr>
+                    </a:p>
+                    <a:p>
+                      <a:pPr marL="0" marR="0" algn="l">
+                        <a:lnSpc>
+                          <a:spcPct val="115000"/>
+                        </a:lnSpc>
+                        <a:spcBef>
+                          <a:spcPts val="0"/>
+                        </a:spcBef>
+                        <a:spcAft>
+                          <a:spcPts val="0"/>
+                        </a:spcAft>
+                      </a:pPr>
+                      <a:r>
+                        <a:rPr lang="en-US" sz="800">
+                          <a:effectLst/>
+                        </a:rPr>
+                        <a:t>.149 (.032)***</a:t>
+                      </a:r>
+                      <a:endParaRPr lang="en-US" sz="1100">
+                        <a:effectLst/>
+                        <a:latin typeface="Calibri" panose="020F0502020204030204" pitchFamily="34" charset="0"/>
+                        <a:ea typeface="MS Mincho" panose="02020609040205080304" pitchFamily="49" charset="-128"/>
+                        <a:cs typeface="Arial" panose="020B0604020202020204" pitchFamily="34" charset="0"/>
+                      </a:endParaRPr>
+                    </a:p>
+                  </a:txBody>
+                  <a:tcPr marL="68580" marR="68580" marT="0" marB="0"/>
+                </a:tc>
+              </a:tr>
+              <a:tr h="665679">
+                <a:tc>
+                  <a:txBody>
+                    <a:bodyPr/>
+                    <a:lstStyle/>
+                    <a:p>
+                      <a:pPr marL="0" marR="0" algn="l">
+                        <a:lnSpc>
+                          <a:spcPct val="115000"/>
+                        </a:lnSpc>
+                        <a:spcBef>
+                          <a:spcPts val="0"/>
+                        </a:spcBef>
+                        <a:spcAft>
+                          <a:spcPts val="0"/>
+                        </a:spcAft>
+                      </a:pPr>
+                      <a:r>
+                        <a:rPr lang="en-US" sz="800">
+                          <a:effectLst/>
+                        </a:rPr>
+                        <a:t>Ego Characteristics</a:t>
+                      </a:r>
+                      <a:endParaRPr lang="en-US" sz="1100">
+                        <a:effectLst/>
+                      </a:endParaRPr>
+                    </a:p>
+                    <a:p>
+                      <a:pPr marL="0" marR="0" algn="l">
+                        <a:lnSpc>
+                          <a:spcPct val="115000"/>
+                        </a:lnSpc>
+                        <a:spcBef>
+                          <a:spcPts val="0"/>
+                        </a:spcBef>
+                        <a:spcAft>
+                          <a:spcPts val="0"/>
+                        </a:spcAft>
+                      </a:pPr>
+                      <a:r>
+                        <a:rPr lang="en-US" sz="800">
+                          <a:effectLst/>
+                        </a:rPr>
+                        <a:t>Grade level</a:t>
+                      </a:r>
+                      <a:endParaRPr lang="en-US" sz="1100">
+                        <a:effectLst/>
+                      </a:endParaRPr>
+                    </a:p>
+                    <a:p>
+                      <a:pPr marL="0" marR="0" algn="l">
+                        <a:lnSpc>
+                          <a:spcPct val="115000"/>
+                        </a:lnSpc>
+                        <a:spcBef>
+                          <a:spcPts val="0"/>
+                        </a:spcBef>
+                        <a:spcAft>
+                          <a:spcPts val="0"/>
+                        </a:spcAft>
+                      </a:pPr>
+                      <a:r>
+                        <a:rPr lang="en-US" sz="800">
+                          <a:effectLst/>
+                        </a:rPr>
+                        <a:t>Core subjects GPA (4-point scale)</a:t>
+                      </a:r>
+                      <a:endParaRPr lang="en-US" sz="1100">
+                        <a:effectLst/>
+                        <a:latin typeface="Calibri" panose="020F0502020204030204" pitchFamily="34" charset="0"/>
+                        <a:ea typeface="MS Mincho" panose="02020609040205080304" pitchFamily="49" charset="-128"/>
+                        <a:cs typeface="Arial" panose="020B0604020202020204" pitchFamily="34" charset="0"/>
+                      </a:endParaRPr>
+                    </a:p>
+                  </a:txBody>
+                  <a:tcPr marL="68580" marR="68580" marT="0" marB="0"/>
+                </a:tc>
+                <a:tc>
+                  <a:txBody>
+                    <a:bodyPr/>
+                    <a:lstStyle/>
+                    <a:p>
+                      <a:pPr marL="0" marR="0" algn="l">
+                        <a:lnSpc>
+                          <a:spcPct val="115000"/>
+                        </a:lnSpc>
+                        <a:spcBef>
+                          <a:spcPts val="0"/>
+                        </a:spcBef>
+                        <a:spcAft>
+                          <a:spcPts val="0"/>
+                        </a:spcAft>
+                      </a:pPr>
+                      <a:r>
+                        <a:rPr lang="en-US" sz="800">
+                          <a:effectLst/>
+                        </a:rPr>
+                        <a:t> </a:t>
+                      </a:r>
+                      <a:endParaRPr lang="en-US" sz="1100">
+                        <a:effectLst/>
+                      </a:endParaRPr>
+                    </a:p>
+                    <a:p>
+                      <a:pPr marL="0" marR="0" algn="l">
+                        <a:lnSpc>
+                          <a:spcPct val="115000"/>
+                        </a:lnSpc>
+                        <a:spcBef>
+                          <a:spcPts val="0"/>
+                        </a:spcBef>
+                        <a:spcAft>
+                          <a:spcPts val="0"/>
+                        </a:spcAft>
+                      </a:pPr>
+                      <a:r>
+                        <a:rPr lang="en-US" sz="800">
+                          <a:effectLst/>
+                        </a:rPr>
+                        <a:t> </a:t>
+                      </a:r>
+                      <a:endParaRPr lang="en-US" sz="1100">
+                        <a:effectLst/>
+                        <a:latin typeface="Calibri" panose="020F0502020204030204" pitchFamily="34" charset="0"/>
+                        <a:ea typeface="MS Mincho" panose="02020609040205080304" pitchFamily="49" charset="-128"/>
+                        <a:cs typeface="Arial" panose="020B0604020202020204" pitchFamily="34" charset="0"/>
+                      </a:endParaRPr>
+                    </a:p>
+                  </a:txBody>
+                  <a:tcPr marL="68580" marR="68580" marT="0" marB="0"/>
+                </a:tc>
+                <a:tc>
+                  <a:txBody>
+                    <a:bodyPr/>
+                    <a:lstStyle/>
+                    <a:p>
+                      <a:pPr marL="0" marR="0" algn="l">
+                        <a:lnSpc>
+                          <a:spcPct val="115000"/>
+                        </a:lnSpc>
+                        <a:spcBef>
+                          <a:spcPts val="0"/>
+                        </a:spcBef>
+                        <a:spcAft>
+                          <a:spcPts val="0"/>
+                        </a:spcAft>
+                      </a:pPr>
+                      <a:r>
+                        <a:rPr lang="en-US" sz="800">
+                          <a:effectLst/>
+                        </a:rPr>
+                        <a:t> </a:t>
+                      </a:r>
+                      <a:endParaRPr lang="en-US" sz="1100">
+                        <a:effectLst/>
+                      </a:endParaRPr>
+                    </a:p>
+                    <a:p>
+                      <a:pPr marL="0" marR="0" algn="l">
+                        <a:lnSpc>
+                          <a:spcPct val="115000"/>
+                        </a:lnSpc>
+                        <a:spcBef>
+                          <a:spcPts val="0"/>
+                        </a:spcBef>
+                        <a:spcAft>
+                          <a:spcPts val="0"/>
+                        </a:spcAft>
+                      </a:pPr>
+                      <a:r>
+                        <a:rPr lang="en-US" sz="800">
+                          <a:effectLst/>
+                        </a:rPr>
+                        <a:t>.081 (.021)***</a:t>
+                      </a:r>
+                      <a:endParaRPr lang="en-US" sz="1100">
+                        <a:effectLst/>
+                      </a:endParaRPr>
+                    </a:p>
+                    <a:p>
+                      <a:pPr marL="0" marR="0" algn="l">
+                        <a:lnSpc>
+                          <a:spcPct val="115000"/>
+                        </a:lnSpc>
+                        <a:spcBef>
+                          <a:spcPts val="0"/>
+                        </a:spcBef>
+                        <a:spcAft>
+                          <a:spcPts val="0"/>
+                        </a:spcAft>
+                      </a:pPr>
+                      <a:r>
+                        <a:rPr lang="en-US" sz="800">
+                          <a:effectLst/>
+                        </a:rPr>
+                        <a:t>-.023 (.021)</a:t>
+                      </a:r>
+                      <a:endParaRPr lang="en-US" sz="1100">
+                        <a:effectLst/>
+                        <a:latin typeface="Calibri" panose="020F0502020204030204" pitchFamily="34" charset="0"/>
+                        <a:ea typeface="MS Mincho" panose="02020609040205080304" pitchFamily="49" charset="-128"/>
+                        <a:cs typeface="Arial" panose="020B0604020202020204" pitchFamily="34" charset="0"/>
+                      </a:endParaRPr>
+                    </a:p>
+                  </a:txBody>
+                  <a:tcPr marL="68580" marR="68580" marT="0" marB="0"/>
+                </a:tc>
+                <a:tc>
+                  <a:txBody>
+                    <a:bodyPr/>
+                    <a:lstStyle/>
+                    <a:p>
+                      <a:pPr marL="0" marR="0" algn="l">
+                        <a:lnSpc>
+                          <a:spcPct val="115000"/>
+                        </a:lnSpc>
+                        <a:spcBef>
+                          <a:spcPts val="0"/>
+                        </a:spcBef>
+                        <a:spcAft>
+                          <a:spcPts val="0"/>
+                        </a:spcAft>
+                      </a:pPr>
+                      <a:r>
+                        <a:rPr lang="en-US" sz="800">
+                          <a:effectLst/>
+                        </a:rPr>
+                        <a:t> </a:t>
+                      </a:r>
+                      <a:endParaRPr lang="en-US" sz="1100">
+                        <a:effectLst/>
+                      </a:endParaRPr>
+                    </a:p>
+                    <a:p>
+                      <a:pPr marL="0" marR="0" algn="l">
+                        <a:lnSpc>
+                          <a:spcPct val="115000"/>
+                        </a:lnSpc>
+                        <a:spcBef>
+                          <a:spcPts val="0"/>
+                        </a:spcBef>
+                        <a:spcAft>
+                          <a:spcPts val="0"/>
+                        </a:spcAft>
+                      </a:pPr>
+                      <a:r>
+                        <a:rPr lang="en-US" sz="800">
+                          <a:effectLst/>
+                        </a:rPr>
+                        <a:t>.048 (.022)*</a:t>
+                      </a:r>
+                      <a:endParaRPr lang="en-US" sz="1100">
+                        <a:effectLst/>
+                      </a:endParaRPr>
+                    </a:p>
+                    <a:p>
+                      <a:pPr marL="0" marR="0" algn="l">
+                        <a:lnSpc>
+                          <a:spcPct val="115000"/>
+                        </a:lnSpc>
+                        <a:spcBef>
+                          <a:spcPts val="0"/>
+                        </a:spcBef>
+                        <a:spcAft>
+                          <a:spcPts val="0"/>
+                        </a:spcAft>
+                      </a:pPr>
+                      <a:r>
+                        <a:rPr lang="en-US" sz="800">
+                          <a:effectLst/>
+                        </a:rPr>
+                        <a:t>-.030 (.021)</a:t>
+                      </a:r>
+                      <a:endParaRPr lang="en-US" sz="1100">
+                        <a:effectLst/>
+                        <a:latin typeface="Calibri" panose="020F0502020204030204" pitchFamily="34" charset="0"/>
+                        <a:ea typeface="MS Mincho" panose="02020609040205080304" pitchFamily="49" charset="-128"/>
+                        <a:cs typeface="Arial" panose="020B0604020202020204" pitchFamily="34" charset="0"/>
+                      </a:endParaRPr>
+                    </a:p>
+                  </a:txBody>
+                  <a:tcPr marL="68580" marR="68580" marT="0" marB="0"/>
+                </a:tc>
+                <a:tc>
+                  <a:txBody>
+                    <a:bodyPr/>
+                    <a:lstStyle/>
+                    <a:p>
+                      <a:pPr marL="0" marR="0" algn="l">
+                        <a:lnSpc>
+                          <a:spcPct val="115000"/>
+                        </a:lnSpc>
+                        <a:spcBef>
+                          <a:spcPts val="0"/>
+                        </a:spcBef>
+                        <a:spcAft>
+                          <a:spcPts val="0"/>
+                        </a:spcAft>
+                      </a:pPr>
+                      <a:r>
+                        <a:rPr lang="en-US" sz="800">
+                          <a:effectLst/>
+                        </a:rPr>
+                        <a:t> </a:t>
+                      </a:r>
+                      <a:endParaRPr lang="en-US" sz="1100">
+                        <a:effectLst/>
+                      </a:endParaRPr>
+                    </a:p>
+                    <a:p>
+                      <a:pPr marL="0" marR="0" algn="l">
+                        <a:lnSpc>
+                          <a:spcPct val="115000"/>
+                        </a:lnSpc>
+                        <a:spcBef>
+                          <a:spcPts val="0"/>
+                        </a:spcBef>
+                        <a:spcAft>
+                          <a:spcPts val="0"/>
+                        </a:spcAft>
+                      </a:pPr>
+                      <a:r>
+                        <a:rPr lang="en-US" sz="800">
+                          <a:effectLst/>
+                        </a:rPr>
+                        <a:t>.039 (.022)</a:t>
+                      </a:r>
+                      <a:endParaRPr lang="en-US" sz="1100">
+                        <a:effectLst/>
+                      </a:endParaRPr>
+                    </a:p>
+                    <a:p>
+                      <a:pPr marL="0" marR="0" algn="l">
+                        <a:lnSpc>
+                          <a:spcPct val="115000"/>
+                        </a:lnSpc>
+                        <a:spcBef>
+                          <a:spcPts val="0"/>
+                        </a:spcBef>
+                        <a:spcAft>
+                          <a:spcPts val="0"/>
+                        </a:spcAft>
+                      </a:pPr>
+                      <a:r>
+                        <a:rPr lang="en-US" sz="800">
+                          <a:effectLst/>
+                        </a:rPr>
+                        <a:t>-.030 (.022)</a:t>
+                      </a:r>
+                      <a:endParaRPr lang="en-US" sz="1100">
+                        <a:effectLst/>
+                        <a:latin typeface="Calibri" panose="020F0502020204030204" pitchFamily="34" charset="0"/>
+                        <a:ea typeface="MS Mincho" panose="02020609040205080304" pitchFamily="49" charset="-128"/>
+                        <a:cs typeface="Arial" panose="020B0604020202020204" pitchFamily="34" charset="0"/>
+                      </a:endParaRPr>
+                    </a:p>
+                  </a:txBody>
+                  <a:tcPr marL="68580" marR="68580" marT="0" marB="0"/>
+                </a:tc>
+              </a:tr>
+              <a:tr h="834858">
+                <a:tc>
+                  <a:txBody>
+                    <a:bodyPr/>
+                    <a:lstStyle/>
+                    <a:p>
+                      <a:pPr marL="0" marR="0" algn="l">
+                        <a:lnSpc>
+                          <a:spcPct val="115000"/>
+                        </a:lnSpc>
+                        <a:spcBef>
+                          <a:spcPts val="0"/>
+                        </a:spcBef>
+                        <a:spcAft>
+                          <a:spcPts val="0"/>
+                        </a:spcAft>
+                      </a:pPr>
+                      <a:r>
+                        <a:rPr lang="en-US" sz="800">
+                          <a:effectLst/>
+                        </a:rPr>
+                        <a:t>Network Structure &amp; Position</a:t>
+                      </a:r>
+                      <a:endParaRPr lang="en-US" sz="1100">
+                        <a:effectLst/>
+                      </a:endParaRPr>
+                    </a:p>
+                    <a:p>
+                      <a:pPr marL="0" marR="0" algn="l">
+                        <a:lnSpc>
+                          <a:spcPct val="115000"/>
+                        </a:lnSpc>
+                        <a:spcBef>
+                          <a:spcPts val="0"/>
+                        </a:spcBef>
+                        <a:spcAft>
+                          <a:spcPts val="0"/>
+                        </a:spcAft>
+                      </a:pPr>
+                      <a:r>
+                        <a:rPr lang="en-US" sz="800">
+                          <a:effectLst/>
+                        </a:rPr>
+                        <a:t>Outdegree</a:t>
+                      </a:r>
+                      <a:endParaRPr lang="en-US" sz="1100">
+                        <a:effectLst/>
+                      </a:endParaRPr>
+                    </a:p>
+                    <a:p>
+                      <a:pPr marL="0" marR="0" algn="l">
+                        <a:lnSpc>
+                          <a:spcPct val="115000"/>
+                        </a:lnSpc>
+                        <a:spcBef>
+                          <a:spcPts val="0"/>
+                        </a:spcBef>
+                        <a:spcAft>
+                          <a:spcPts val="0"/>
+                        </a:spcAft>
+                      </a:pPr>
+                      <a:r>
+                        <a:rPr lang="en-US" sz="800">
+                          <a:effectLst/>
+                        </a:rPr>
+                        <a:t>Bonacich (Prestige) Centrality</a:t>
+                      </a:r>
+                      <a:endParaRPr lang="en-US" sz="1100">
+                        <a:effectLst/>
+                        <a:latin typeface="Calibri" panose="020F0502020204030204" pitchFamily="34" charset="0"/>
+                        <a:ea typeface="MS Mincho" panose="02020609040205080304" pitchFamily="49" charset="-128"/>
+                        <a:cs typeface="Arial" panose="020B0604020202020204" pitchFamily="34" charset="0"/>
+                      </a:endParaRPr>
+                    </a:p>
+                  </a:txBody>
+                  <a:tcPr marL="68580" marR="68580" marT="0" marB="0"/>
+                </a:tc>
+                <a:tc>
+                  <a:txBody>
+                    <a:bodyPr/>
+                    <a:lstStyle/>
+                    <a:p>
+                      <a:pPr marL="0" marR="0" algn="l">
+                        <a:lnSpc>
+                          <a:spcPct val="115000"/>
+                        </a:lnSpc>
+                        <a:spcBef>
+                          <a:spcPts val="0"/>
+                        </a:spcBef>
+                        <a:spcAft>
+                          <a:spcPts val="0"/>
+                        </a:spcAft>
+                      </a:pPr>
+                      <a:r>
+                        <a:rPr lang="en-US" sz="800">
+                          <a:effectLst/>
+                        </a:rPr>
+                        <a:t> </a:t>
+                      </a:r>
+                      <a:endParaRPr lang="en-US" sz="1100">
+                        <a:effectLst/>
+                        <a:latin typeface="Calibri" panose="020F0502020204030204" pitchFamily="34" charset="0"/>
+                        <a:ea typeface="MS Mincho" panose="02020609040205080304" pitchFamily="49" charset="-128"/>
+                        <a:cs typeface="Arial" panose="020B0604020202020204" pitchFamily="34" charset="0"/>
+                      </a:endParaRPr>
+                    </a:p>
+                  </a:txBody>
+                  <a:tcPr marL="68580" marR="68580" marT="0" marB="0"/>
+                </a:tc>
+                <a:tc>
+                  <a:txBody>
+                    <a:bodyPr/>
+                    <a:lstStyle/>
+                    <a:p>
+                      <a:pPr marL="0" marR="0" algn="l">
+                        <a:lnSpc>
+                          <a:spcPct val="115000"/>
+                        </a:lnSpc>
+                        <a:spcBef>
+                          <a:spcPts val="0"/>
+                        </a:spcBef>
+                        <a:spcAft>
+                          <a:spcPts val="0"/>
+                        </a:spcAft>
+                      </a:pPr>
+                      <a:r>
+                        <a:rPr lang="en-US" sz="800">
+                          <a:effectLst/>
+                        </a:rPr>
+                        <a:t> </a:t>
+                      </a:r>
+                      <a:endParaRPr lang="en-US" sz="1100">
+                        <a:effectLst/>
+                        <a:latin typeface="Calibri" panose="020F0502020204030204" pitchFamily="34" charset="0"/>
+                        <a:ea typeface="MS Mincho" panose="02020609040205080304" pitchFamily="49" charset="-128"/>
+                        <a:cs typeface="Arial" panose="020B0604020202020204" pitchFamily="34" charset="0"/>
+                      </a:endParaRPr>
+                    </a:p>
+                  </a:txBody>
+                  <a:tcPr marL="68580" marR="68580" marT="0" marB="0"/>
+                </a:tc>
+                <a:tc>
+                  <a:txBody>
+                    <a:bodyPr/>
+                    <a:lstStyle/>
+                    <a:p>
+                      <a:pPr marL="0" marR="0" algn="l">
+                        <a:lnSpc>
+                          <a:spcPct val="115000"/>
+                        </a:lnSpc>
+                        <a:spcBef>
+                          <a:spcPts val="0"/>
+                        </a:spcBef>
+                        <a:spcAft>
+                          <a:spcPts val="0"/>
+                        </a:spcAft>
+                      </a:pPr>
+                      <a:r>
+                        <a:rPr lang="en-US" sz="800">
+                          <a:effectLst/>
+                        </a:rPr>
+                        <a:t> </a:t>
+                      </a:r>
+                      <a:endParaRPr lang="en-US" sz="1100">
+                        <a:effectLst/>
+                      </a:endParaRPr>
+                    </a:p>
+                    <a:p>
+                      <a:pPr marL="0" marR="0" algn="l">
+                        <a:lnSpc>
+                          <a:spcPct val="115000"/>
+                        </a:lnSpc>
+                        <a:spcBef>
+                          <a:spcPts val="0"/>
+                        </a:spcBef>
+                        <a:spcAft>
+                          <a:spcPts val="0"/>
+                        </a:spcAft>
+                      </a:pPr>
+                      <a:r>
+                        <a:rPr lang="en-US" sz="800">
+                          <a:effectLst/>
+                        </a:rPr>
+                        <a:t>-.067 (.011)***</a:t>
+                      </a:r>
+                      <a:endParaRPr lang="en-US" sz="1100">
+                        <a:effectLst/>
+                      </a:endParaRPr>
+                    </a:p>
+                    <a:p>
+                      <a:pPr marL="0" marR="0" algn="l">
+                        <a:lnSpc>
+                          <a:spcPct val="115000"/>
+                        </a:lnSpc>
+                        <a:spcBef>
+                          <a:spcPts val="0"/>
+                        </a:spcBef>
+                        <a:spcAft>
+                          <a:spcPts val="0"/>
+                        </a:spcAft>
+                      </a:pPr>
+                      <a:r>
+                        <a:rPr lang="en-US" sz="800">
+                          <a:effectLst/>
+                        </a:rPr>
+                        <a:t>.175 (.039)***</a:t>
+                      </a:r>
+                      <a:endParaRPr lang="en-US" sz="1100">
+                        <a:effectLst/>
+                        <a:latin typeface="Calibri" panose="020F0502020204030204" pitchFamily="34" charset="0"/>
+                        <a:ea typeface="MS Mincho" panose="02020609040205080304" pitchFamily="49" charset="-128"/>
+                        <a:cs typeface="Arial" panose="020B0604020202020204" pitchFamily="34" charset="0"/>
+                      </a:endParaRPr>
+                    </a:p>
+                  </a:txBody>
+                  <a:tcPr marL="68580" marR="68580" marT="0" marB="0"/>
+                </a:tc>
+                <a:tc>
+                  <a:txBody>
+                    <a:bodyPr/>
+                    <a:lstStyle/>
+                    <a:p>
+                      <a:pPr marL="0" marR="0" algn="l">
+                        <a:lnSpc>
+                          <a:spcPct val="115000"/>
+                        </a:lnSpc>
+                        <a:spcBef>
+                          <a:spcPts val="0"/>
+                        </a:spcBef>
+                        <a:spcAft>
+                          <a:spcPts val="0"/>
+                        </a:spcAft>
+                      </a:pPr>
+                      <a:r>
+                        <a:rPr lang="en-US" sz="800">
+                          <a:effectLst/>
+                        </a:rPr>
+                        <a:t> </a:t>
+                      </a:r>
+                      <a:endParaRPr lang="en-US" sz="1100">
+                        <a:effectLst/>
+                      </a:endParaRPr>
+                    </a:p>
+                    <a:p>
+                      <a:pPr marL="0" marR="0" algn="l">
+                        <a:lnSpc>
+                          <a:spcPct val="115000"/>
+                        </a:lnSpc>
+                        <a:spcBef>
+                          <a:spcPts val="0"/>
+                        </a:spcBef>
+                        <a:spcAft>
+                          <a:spcPts val="0"/>
+                        </a:spcAft>
+                      </a:pPr>
+                      <a:r>
+                        <a:rPr lang="en-US" sz="800">
+                          <a:effectLst/>
+                        </a:rPr>
+                        <a:t>-.033 (.014)*</a:t>
+                      </a:r>
+                      <a:endParaRPr lang="en-US" sz="1100">
+                        <a:effectLst/>
+                      </a:endParaRPr>
+                    </a:p>
+                    <a:p>
+                      <a:pPr marL="0" marR="0" algn="l">
+                        <a:lnSpc>
+                          <a:spcPct val="115000"/>
+                        </a:lnSpc>
+                        <a:spcBef>
+                          <a:spcPts val="0"/>
+                        </a:spcBef>
+                        <a:spcAft>
+                          <a:spcPts val="0"/>
+                        </a:spcAft>
+                      </a:pPr>
+                      <a:r>
+                        <a:rPr lang="en-US" sz="800">
+                          <a:effectLst/>
+                        </a:rPr>
+                        <a:t>.102 (.042)*</a:t>
+                      </a:r>
+                      <a:endParaRPr lang="en-US" sz="1100">
+                        <a:effectLst/>
+                        <a:latin typeface="Calibri" panose="020F0502020204030204" pitchFamily="34" charset="0"/>
+                        <a:ea typeface="MS Mincho" panose="02020609040205080304" pitchFamily="49" charset="-128"/>
+                        <a:cs typeface="Arial" panose="020B0604020202020204" pitchFamily="34" charset="0"/>
+                      </a:endParaRPr>
+                    </a:p>
+                  </a:txBody>
+                  <a:tcPr marL="68580" marR="68580" marT="0" marB="0"/>
+                </a:tc>
+              </a:tr>
+              <a:tr h="1680749">
+                <a:tc>
+                  <a:txBody>
+                    <a:bodyPr/>
+                    <a:lstStyle/>
+                    <a:p>
+                      <a:pPr marL="0" marR="0" algn="l">
+                        <a:lnSpc>
+                          <a:spcPct val="115000"/>
+                        </a:lnSpc>
+                        <a:spcBef>
+                          <a:spcPts val="0"/>
+                        </a:spcBef>
+                        <a:spcAft>
+                          <a:spcPts val="0"/>
+                        </a:spcAft>
+                      </a:pPr>
+                      <a:r>
+                        <a:rPr lang="en-US" sz="800">
+                          <a:effectLst/>
+                        </a:rPr>
+                        <a:t>Friend Network Attributes</a:t>
+                      </a:r>
+                      <a:endParaRPr lang="en-US" sz="1100">
+                        <a:effectLst/>
+                      </a:endParaRPr>
+                    </a:p>
+                    <a:p>
+                      <a:pPr marL="0" marR="0" algn="l">
+                        <a:lnSpc>
+                          <a:spcPct val="115000"/>
+                        </a:lnSpc>
+                        <a:spcBef>
+                          <a:spcPts val="0"/>
+                        </a:spcBef>
+                        <a:spcAft>
+                          <a:spcPts val="0"/>
+                        </a:spcAft>
+                      </a:pPr>
+                      <a:r>
+                        <a:rPr lang="en-US" sz="800">
+                          <a:effectLst/>
+                        </a:rPr>
+                        <a:t>     Ego Network Mean Scores</a:t>
+                      </a:r>
+                      <a:endParaRPr lang="en-US" sz="1100">
+                        <a:effectLst/>
+                      </a:endParaRPr>
+                    </a:p>
+                    <a:p>
+                      <a:pPr marL="0" marR="0" algn="l">
+                        <a:lnSpc>
+                          <a:spcPct val="115000"/>
+                        </a:lnSpc>
+                        <a:spcBef>
+                          <a:spcPts val="0"/>
+                        </a:spcBef>
+                        <a:spcAft>
+                          <a:spcPts val="0"/>
+                        </a:spcAft>
+                      </a:pPr>
+                      <a:r>
+                        <a:rPr lang="en-US" sz="800">
+                          <a:effectLst/>
+                        </a:rPr>
+                        <a:t>Proportion Claiming a Religion</a:t>
+                      </a:r>
+                      <a:endParaRPr lang="en-US" sz="1100">
+                        <a:effectLst/>
+                      </a:endParaRPr>
+                    </a:p>
+                    <a:p>
+                      <a:pPr marL="0" marR="0" algn="l">
+                        <a:lnSpc>
+                          <a:spcPct val="115000"/>
+                        </a:lnSpc>
+                        <a:spcBef>
+                          <a:spcPts val="0"/>
+                        </a:spcBef>
+                        <a:spcAft>
+                          <a:spcPts val="0"/>
+                        </a:spcAft>
+                      </a:pPr>
+                      <a:r>
+                        <a:rPr lang="en-US" sz="800">
+                          <a:effectLst/>
+                        </a:rPr>
+                        <a:t>Mean Worship Attendance</a:t>
+                      </a:r>
+                      <a:endParaRPr lang="en-US" sz="1100">
+                        <a:effectLst/>
+                      </a:endParaRPr>
+                    </a:p>
+                    <a:p>
+                      <a:pPr marL="0" marR="0" algn="l">
+                        <a:lnSpc>
+                          <a:spcPct val="115000"/>
+                        </a:lnSpc>
+                        <a:spcBef>
+                          <a:spcPts val="0"/>
+                        </a:spcBef>
+                        <a:spcAft>
+                          <a:spcPts val="0"/>
+                        </a:spcAft>
+                      </a:pPr>
+                      <a:r>
+                        <a:rPr lang="en-US" sz="800">
+                          <a:effectLst/>
+                        </a:rPr>
+                        <a:t>Mean Biblical Literalism</a:t>
+                      </a:r>
+                      <a:endParaRPr lang="en-US" sz="1100">
+                        <a:effectLst/>
+                      </a:endParaRPr>
+                    </a:p>
+                    <a:p>
+                      <a:pPr marL="0" marR="0" algn="l">
+                        <a:lnSpc>
+                          <a:spcPct val="115000"/>
+                        </a:lnSpc>
+                        <a:spcBef>
+                          <a:spcPts val="0"/>
+                        </a:spcBef>
+                        <a:spcAft>
+                          <a:spcPts val="0"/>
+                        </a:spcAft>
+                      </a:pPr>
+                      <a:r>
+                        <a:rPr lang="en-US" sz="800">
+                          <a:effectLst/>
+                        </a:rPr>
+                        <a:t>     Ego Network Heterogeneity</a:t>
+                      </a:r>
+                      <a:endParaRPr lang="en-US" sz="1100">
+                        <a:effectLst/>
+                      </a:endParaRPr>
+                    </a:p>
+                    <a:p>
+                      <a:pPr marL="0" marR="0" algn="l">
+                        <a:lnSpc>
+                          <a:spcPct val="115000"/>
+                        </a:lnSpc>
+                        <a:spcBef>
+                          <a:spcPts val="0"/>
+                        </a:spcBef>
+                        <a:spcAft>
+                          <a:spcPts val="0"/>
+                        </a:spcAft>
+                      </a:pPr>
+                      <a:r>
+                        <a:rPr lang="en-US" sz="800">
+                          <a:effectLst/>
+                        </a:rPr>
+                        <a:t>Racial/Ethnic Heterogeneity</a:t>
+                      </a:r>
+                      <a:endParaRPr lang="en-US" sz="1100">
+                        <a:effectLst/>
+                      </a:endParaRPr>
+                    </a:p>
+                    <a:p>
+                      <a:pPr marL="0" marR="0" algn="l">
+                        <a:lnSpc>
+                          <a:spcPct val="115000"/>
+                        </a:lnSpc>
+                        <a:spcBef>
+                          <a:spcPts val="0"/>
+                        </a:spcBef>
+                        <a:spcAft>
+                          <a:spcPts val="0"/>
+                        </a:spcAft>
+                      </a:pPr>
+                      <a:r>
+                        <a:rPr lang="en-US" sz="800">
+                          <a:effectLst/>
+                        </a:rPr>
+                        <a:t>Religious Heterogeneity</a:t>
+                      </a:r>
+                      <a:endParaRPr lang="en-US" sz="1100">
+                        <a:effectLst/>
+                        <a:latin typeface="Calibri" panose="020F0502020204030204" pitchFamily="34" charset="0"/>
+                        <a:ea typeface="MS Mincho" panose="02020609040205080304" pitchFamily="49" charset="-128"/>
+                        <a:cs typeface="Arial" panose="020B0604020202020204" pitchFamily="34" charset="0"/>
+                      </a:endParaRPr>
+                    </a:p>
+                  </a:txBody>
+                  <a:tcPr marL="68580" marR="68580" marT="0" marB="0"/>
+                </a:tc>
+                <a:tc>
+                  <a:txBody>
+                    <a:bodyPr/>
+                    <a:lstStyle/>
+                    <a:p>
+                      <a:pPr marL="0" marR="0" algn="l">
+                        <a:lnSpc>
+                          <a:spcPct val="115000"/>
+                        </a:lnSpc>
+                        <a:spcBef>
+                          <a:spcPts val="0"/>
+                        </a:spcBef>
+                        <a:spcAft>
+                          <a:spcPts val="0"/>
+                        </a:spcAft>
+                      </a:pPr>
+                      <a:r>
+                        <a:rPr lang="en-US" sz="800">
+                          <a:effectLst/>
+                        </a:rPr>
+                        <a:t> </a:t>
+                      </a:r>
+                      <a:endParaRPr lang="en-US" sz="1100">
+                        <a:effectLst/>
+                        <a:latin typeface="Calibri" panose="020F0502020204030204" pitchFamily="34" charset="0"/>
+                        <a:ea typeface="MS Mincho" panose="02020609040205080304" pitchFamily="49" charset="-128"/>
+                        <a:cs typeface="Arial" panose="020B0604020202020204" pitchFamily="34" charset="0"/>
+                      </a:endParaRPr>
+                    </a:p>
+                  </a:txBody>
+                  <a:tcPr marL="68580" marR="68580" marT="0" marB="0"/>
+                </a:tc>
+                <a:tc>
+                  <a:txBody>
+                    <a:bodyPr/>
+                    <a:lstStyle/>
+                    <a:p>
+                      <a:pPr marL="0" marR="0" algn="l">
+                        <a:lnSpc>
+                          <a:spcPct val="115000"/>
+                        </a:lnSpc>
+                        <a:spcBef>
+                          <a:spcPts val="0"/>
+                        </a:spcBef>
+                        <a:spcAft>
+                          <a:spcPts val="0"/>
+                        </a:spcAft>
+                      </a:pPr>
+                      <a:r>
+                        <a:rPr lang="en-US" sz="800">
+                          <a:effectLst/>
+                        </a:rPr>
+                        <a:t> </a:t>
+                      </a:r>
+                      <a:endParaRPr lang="en-US" sz="1100">
+                        <a:effectLst/>
+                        <a:latin typeface="Calibri" panose="020F0502020204030204" pitchFamily="34" charset="0"/>
+                        <a:ea typeface="MS Mincho" panose="02020609040205080304" pitchFamily="49" charset="-128"/>
+                        <a:cs typeface="Arial" panose="020B0604020202020204" pitchFamily="34" charset="0"/>
+                      </a:endParaRPr>
+                    </a:p>
+                  </a:txBody>
+                  <a:tcPr marL="68580" marR="68580" marT="0" marB="0"/>
+                </a:tc>
+                <a:tc>
+                  <a:txBody>
+                    <a:bodyPr/>
+                    <a:lstStyle/>
+                    <a:p>
+                      <a:pPr marL="0" marR="0" algn="l">
+                        <a:lnSpc>
+                          <a:spcPct val="115000"/>
+                        </a:lnSpc>
+                        <a:spcBef>
+                          <a:spcPts val="0"/>
+                        </a:spcBef>
+                        <a:spcAft>
+                          <a:spcPts val="0"/>
+                        </a:spcAft>
+                      </a:pPr>
+                      <a:r>
+                        <a:rPr lang="en-US" sz="800">
+                          <a:effectLst/>
+                        </a:rPr>
+                        <a:t> </a:t>
+                      </a:r>
+                      <a:endParaRPr lang="en-US" sz="1100">
+                        <a:effectLst/>
+                        <a:latin typeface="Calibri" panose="020F0502020204030204" pitchFamily="34" charset="0"/>
+                        <a:ea typeface="MS Mincho" panose="02020609040205080304" pitchFamily="49" charset="-128"/>
+                        <a:cs typeface="Arial" panose="020B0604020202020204" pitchFamily="34" charset="0"/>
+                      </a:endParaRPr>
+                    </a:p>
+                  </a:txBody>
+                  <a:tcPr marL="68580" marR="68580" marT="0" marB="0"/>
+                </a:tc>
+                <a:tc>
+                  <a:txBody>
+                    <a:bodyPr/>
+                    <a:lstStyle/>
+                    <a:p>
+                      <a:pPr marL="0" marR="0" algn="l">
+                        <a:lnSpc>
+                          <a:spcPct val="115000"/>
+                        </a:lnSpc>
+                        <a:spcBef>
+                          <a:spcPts val="0"/>
+                        </a:spcBef>
+                        <a:spcAft>
+                          <a:spcPts val="0"/>
+                        </a:spcAft>
+                      </a:pPr>
+                      <a:r>
+                        <a:rPr lang="en-US" sz="800">
+                          <a:effectLst/>
+                        </a:rPr>
+                        <a:t> </a:t>
+                      </a:r>
+                      <a:endParaRPr lang="en-US" sz="1100">
+                        <a:effectLst/>
+                      </a:endParaRPr>
+                    </a:p>
+                    <a:p>
+                      <a:pPr marL="0" marR="0" algn="l">
+                        <a:lnSpc>
+                          <a:spcPct val="115000"/>
+                        </a:lnSpc>
+                        <a:spcBef>
+                          <a:spcPts val="0"/>
+                        </a:spcBef>
+                        <a:spcAft>
+                          <a:spcPts val="0"/>
+                        </a:spcAft>
+                      </a:pPr>
+                      <a:r>
+                        <a:rPr lang="en-US" sz="800">
+                          <a:effectLst/>
+                        </a:rPr>
+                        <a:t> </a:t>
+                      </a:r>
+                      <a:endParaRPr lang="en-US" sz="1100">
+                        <a:effectLst/>
+                      </a:endParaRPr>
+                    </a:p>
+                    <a:p>
+                      <a:pPr marL="0" marR="0" algn="l">
+                        <a:lnSpc>
+                          <a:spcPct val="115000"/>
+                        </a:lnSpc>
+                        <a:spcBef>
+                          <a:spcPts val="0"/>
+                        </a:spcBef>
+                        <a:spcAft>
+                          <a:spcPts val="0"/>
+                        </a:spcAft>
+                      </a:pPr>
+                      <a:r>
+                        <a:rPr lang="en-US" sz="800">
+                          <a:effectLst/>
+                        </a:rPr>
+                        <a:t>.078 (.080)</a:t>
+                      </a:r>
+                      <a:endParaRPr lang="en-US" sz="1100">
+                        <a:effectLst/>
+                      </a:endParaRPr>
+                    </a:p>
+                    <a:p>
+                      <a:pPr marL="0" marR="0" algn="l">
+                        <a:lnSpc>
+                          <a:spcPct val="115000"/>
+                        </a:lnSpc>
+                        <a:spcBef>
+                          <a:spcPts val="0"/>
+                        </a:spcBef>
+                        <a:spcAft>
+                          <a:spcPts val="0"/>
+                        </a:spcAft>
+                      </a:pPr>
+                      <a:r>
+                        <a:rPr lang="en-US" sz="800">
+                          <a:effectLst/>
+                        </a:rPr>
+                        <a:t>.049 (.021)*</a:t>
+                      </a:r>
+                      <a:endParaRPr lang="en-US" sz="1100">
+                        <a:effectLst/>
+                      </a:endParaRPr>
+                    </a:p>
+                    <a:p>
+                      <a:pPr marL="0" marR="0" algn="l">
+                        <a:lnSpc>
+                          <a:spcPct val="115000"/>
+                        </a:lnSpc>
+                        <a:spcBef>
+                          <a:spcPts val="0"/>
+                        </a:spcBef>
+                        <a:spcAft>
+                          <a:spcPts val="0"/>
+                        </a:spcAft>
+                      </a:pPr>
+                      <a:r>
+                        <a:rPr lang="en-US" sz="800">
+                          <a:effectLst/>
+                        </a:rPr>
+                        <a:t>.132 (.055)*</a:t>
+                      </a:r>
+                      <a:endParaRPr lang="en-US" sz="1100">
+                        <a:effectLst/>
+                      </a:endParaRPr>
+                    </a:p>
+                    <a:p>
+                      <a:pPr marL="0" marR="0" algn="l">
+                        <a:lnSpc>
+                          <a:spcPct val="115000"/>
+                        </a:lnSpc>
+                        <a:spcBef>
+                          <a:spcPts val="0"/>
+                        </a:spcBef>
+                        <a:spcAft>
+                          <a:spcPts val="0"/>
+                        </a:spcAft>
+                      </a:pPr>
+                      <a:r>
+                        <a:rPr lang="en-US" sz="800">
+                          <a:effectLst/>
+                        </a:rPr>
+                        <a:t> </a:t>
+                      </a:r>
+                      <a:endParaRPr lang="en-US" sz="1100">
+                        <a:effectLst/>
+                      </a:endParaRPr>
+                    </a:p>
+                    <a:p>
+                      <a:pPr marL="0" marR="0" algn="l">
+                        <a:lnSpc>
+                          <a:spcPct val="115000"/>
+                        </a:lnSpc>
+                        <a:spcBef>
+                          <a:spcPts val="0"/>
+                        </a:spcBef>
+                        <a:spcAft>
+                          <a:spcPts val="0"/>
+                        </a:spcAft>
+                      </a:pPr>
+                      <a:r>
+                        <a:rPr lang="en-US" sz="800">
+                          <a:effectLst/>
+                        </a:rPr>
+                        <a:t>.181 (.094)</a:t>
+                      </a:r>
+                      <a:endParaRPr lang="en-US" sz="1100">
+                        <a:effectLst/>
+                      </a:endParaRPr>
+                    </a:p>
+                    <a:p>
+                      <a:pPr marL="0" marR="0" algn="l">
+                        <a:lnSpc>
+                          <a:spcPct val="115000"/>
+                        </a:lnSpc>
+                        <a:spcBef>
+                          <a:spcPts val="0"/>
+                        </a:spcBef>
+                        <a:spcAft>
+                          <a:spcPts val="0"/>
+                        </a:spcAft>
+                      </a:pPr>
+                      <a:r>
+                        <a:rPr lang="en-US" sz="800">
+                          <a:effectLst/>
+                        </a:rPr>
+                        <a:t>-.200 (.068)**</a:t>
+                      </a:r>
+                      <a:endParaRPr lang="en-US" sz="1100">
+                        <a:effectLst/>
+                        <a:latin typeface="Calibri" panose="020F0502020204030204" pitchFamily="34" charset="0"/>
+                        <a:ea typeface="MS Mincho" panose="02020609040205080304" pitchFamily="49" charset="-128"/>
+                        <a:cs typeface="Arial" panose="020B0604020202020204" pitchFamily="34" charset="0"/>
+                      </a:endParaRPr>
+                    </a:p>
+                  </a:txBody>
+                  <a:tcPr marL="68580" marR="68580" marT="0" marB="0"/>
+                </a:tc>
+              </a:tr>
+              <a:tr h="158145">
+                <a:tc>
+                  <a:txBody>
+                    <a:bodyPr/>
+                    <a:lstStyle/>
+                    <a:p>
+                      <a:pPr marL="0" marR="0" algn="l">
+                        <a:lnSpc>
+                          <a:spcPct val="115000"/>
+                        </a:lnSpc>
+                        <a:spcBef>
+                          <a:spcPts val="0"/>
+                        </a:spcBef>
+                        <a:spcAft>
+                          <a:spcPts val="0"/>
+                        </a:spcAft>
+                      </a:pPr>
+                      <a:r>
+                        <a:rPr lang="en-US" sz="800">
+                          <a:effectLst/>
+                        </a:rPr>
+                        <a:t>Constant</a:t>
+                      </a:r>
+                      <a:endParaRPr lang="en-US" sz="1100">
+                        <a:effectLst/>
+                        <a:latin typeface="Calibri" panose="020F0502020204030204" pitchFamily="34" charset="0"/>
+                        <a:ea typeface="MS Mincho" panose="02020609040205080304" pitchFamily="49" charset="-128"/>
+                        <a:cs typeface="Arial" panose="020B0604020202020204" pitchFamily="34" charset="0"/>
+                      </a:endParaRPr>
+                    </a:p>
+                  </a:txBody>
+                  <a:tcPr marL="68580" marR="68580" marT="0" marB="0"/>
+                </a:tc>
+                <a:tc>
+                  <a:txBody>
+                    <a:bodyPr/>
+                    <a:lstStyle/>
+                    <a:p>
+                      <a:pPr marL="0" marR="0" algn="l">
+                        <a:lnSpc>
+                          <a:spcPct val="115000"/>
+                        </a:lnSpc>
+                        <a:spcBef>
+                          <a:spcPts val="0"/>
+                        </a:spcBef>
+                        <a:spcAft>
+                          <a:spcPts val="0"/>
+                        </a:spcAft>
+                      </a:pPr>
+                      <a:r>
+                        <a:rPr lang="en-US" sz="800">
+                          <a:effectLst/>
+                        </a:rPr>
+                        <a:t>.870 (.048)***</a:t>
+                      </a:r>
+                      <a:endParaRPr lang="en-US" sz="1100">
+                        <a:effectLst/>
+                        <a:latin typeface="Calibri" panose="020F0502020204030204" pitchFamily="34" charset="0"/>
+                        <a:ea typeface="MS Mincho" panose="02020609040205080304" pitchFamily="49" charset="-128"/>
+                        <a:cs typeface="Arial" panose="020B0604020202020204" pitchFamily="34" charset="0"/>
+                      </a:endParaRPr>
+                    </a:p>
+                  </a:txBody>
+                  <a:tcPr marL="68580" marR="68580" marT="0" marB="0"/>
+                </a:tc>
+                <a:tc>
+                  <a:txBody>
+                    <a:bodyPr/>
+                    <a:lstStyle/>
+                    <a:p>
+                      <a:pPr marL="0" marR="0" algn="l">
+                        <a:lnSpc>
+                          <a:spcPct val="115000"/>
+                        </a:lnSpc>
+                        <a:spcBef>
+                          <a:spcPts val="0"/>
+                        </a:spcBef>
+                        <a:spcAft>
+                          <a:spcPts val="0"/>
+                        </a:spcAft>
+                      </a:pPr>
+                      <a:r>
+                        <a:rPr lang="en-US" sz="800">
+                          <a:effectLst/>
+                        </a:rPr>
+                        <a:t>.080 (.247)</a:t>
+                      </a:r>
+                      <a:endParaRPr lang="en-US" sz="1100">
+                        <a:effectLst/>
+                        <a:latin typeface="Calibri" panose="020F0502020204030204" pitchFamily="34" charset="0"/>
+                        <a:ea typeface="MS Mincho" panose="02020609040205080304" pitchFamily="49" charset="-128"/>
+                        <a:cs typeface="Arial" panose="020B0604020202020204" pitchFamily="34" charset="0"/>
+                      </a:endParaRPr>
+                    </a:p>
+                  </a:txBody>
+                  <a:tcPr marL="68580" marR="68580" marT="0" marB="0"/>
+                </a:tc>
+                <a:tc>
+                  <a:txBody>
+                    <a:bodyPr/>
+                    <a:lstStyle/>
+                    <a:p>
+                      <a:pPr marL="0" marR="0" algn="l">
+                        <a:lnSpc>
+                          <a:spcPct val="115000"/>
+                        </a:lnSpc>
+                        <a:spcBef>
+                          <a:spcPts val="0"/>
+                        </a:spcBef>
+                        <a:spcAft>
+                          <a:spcPts val="0"/>
+                        </a:spcAft>
+                      </a:pPr>
+                      <a:r>
+                        <a:rPr lang="en-US" sz="800">
+                          <a:effectLst/>
+                        </a:rPr>
+                        <a:t>.551 (.263)*</a:t>
+                      </a:r>
+                      <a:endParaRPr lang="en-US" sz="1100">
+                        <a:effectLst/>
+                        <a:latin typeface="Calibri" panose="020F0502020204030204" pitchFamily="34" charset="0"/>
+                        <a:ea typeface="MS Mincho" panose="02020609040205080304" pitchFamily="49" charset="-128"/>
+                        <a:cs typeface="Arial" panose="020B0604020202020204" pitchFamily="34" charset="0"/>
+                      </a:endParaRPr>
+                    </a:p>
+                  </a:txBody>
+                  <a:tcPr marL="68580" marR="68580" marT="0" marB="0"/>
+                </a:tc>
+                <a:tc>
+                  <a:txBody>
+                    <a:bodyPr/>
+                    <a:lstStyle/>
+                    <a:p>
+                      <a:pPr marL="0" marR="0" algn="l">
+                        <a:lnSpc>
+                          <a:spcPct val="115000"/>
+                        </a:lnSpc>
+                        <a:spcBef>
+                          <a:spcPts val="0"/>
+                        </a:spcBef>
+                        <a:spcAft>
+                          <a:spcPts val="0"/>
+                        </a:spcAft>
+                      </a:pPr>
+                      <a:r>
+                        <a:rPr lang="en-US" sz="800" dirty="0">
+                          <a:effectLst/>
+                        </a:rPr>
+                        <a:t>.443 (.278)</a:t>
+                      </a:r>
+                      <a:endParaRPr lang="en-US" sz="1100" dirty="0">
+                        <a:effectLst/>
+                        <a:latin typeface="Calibri" panose="020F0502020204030204" pitchFamily="34" charset="0"/>
+                        <a:ea typeface="MS Mincho" panose="02020609040205080304" pitchFamily="49" charset="-128"/>
+                        <a:cs typeface="Arial" panose="020B0604020202020204" pitchFamily="34" charset="0"/>
+                      </a:endParaRPr>
+                    </a:p>
+                  </a:txBody>
+                  <a:tcPr marL="68580" marR="68580" marT="0" marB="0"/>
+                </a:tc>
+              </a:tr>
+            </a:tbl>
+          </a:graphicData>
+        </a:graphic>
+      </p:graphicFrame>
+      <p:sp>
+        <p:nvSpPr>
+          <p:cNvPr id="5" name="Rectangle 1"/>
+          <p:cNvSpPr>
+            <a:spLocks noChangeArrowheads="1"/>
+          </p:cNvSpPr>
+          <p:nvPr/>
+        </p:nvSpPr>
+        <p:spPr bwMode="auto">
+          <a:xfrm>
+            <a:off x="0" y="227260"/>
+            <a:ext cx="12287242" cy="276999"/>
+          </a:xfrm>
+          <a:prstGeom prst="rect">
+            <a:avLst/>
+          </a:prstGeom>
+          <a:noFill/>
+          <a:ln>
+            <a:noFill/>
+          </a:ln>
+          <a:effectLst/>
+          <a:extLst>
+            <a:ext uri="{909E8E84-426E-40DD-AFC4-6F175D3DCCD1}">
+              <a14:hiddenFill xmlns:a14="http://schemas.microsoft.com/office/drawing/2010/main">
+                <a:solidFill>
+                  <a:schemeClr val="accent1"/>
+                </a:solidFill>
+              </a14:hiddenFill>
+            </a:ext>
+            <a:ext uri="{91240B29-F687-4F45-9708-019B960494DF}">
+              <a14:hiddenLine xmlns:a14="http://schemas.microsoft.com/office/drawing/2010/main" w="9525">
+                <a:solidFill>
+                  <a:schemeClr val="tx1"/>
+                </a:solidFill>
+                <a:miter lim="800000"/>
+                <a:headEnd/>
+                <a:tailEnd/>
+              </a14:hiddenLine>
+            </a:ext>
+            <a:ext uri="{AF507438-7753-43E0-B8FC-AC1667EBCBE1}">
+              <a14:hiddenEffects xmlns:a14="http://schemas.microsoft.com/office/drawing/2010/main">
+                <a:effectLst>
+                  <a:outerShdw dist="35921" dir="2700000" algn="ctr" rotWithShape="0">
+                    <a:schemeClr val="bg2"/>
+                  </a:outerShdw>
+                </a:effectLst>
+              </a14:hiddenEffects>
+            </a:ext>
+          </a:extLst>
+        </p:spPr>
+        <p:txBody>
+          <a:bodyPr vert="horz" wrap="square" lIns="91440" tIns="45720" rIns="91440" bIns="45720" numCol="1" anchor="ctr" anchorCtr="0" compatLnSpc="1">
+            <a:prstTxWarp prst="textNoShape">
+              <a:avLst/>
+            </a:prstTxWarp>
+            <a:spAutoFit/>
+          </a:bodyPr>
+          <a:lstStyle>
+            <a:lvl1pPr eaLnBrk="0" fontAlgn="base" hangingPunct="0">
+              <a:spcBef>
+                <a:spcPct val="0"/>
+              </a:spcBef>
+              <a:spcAft>
+                <a:spcPct val="0"/>
+              </a:spcAft>
+              <a:defRPr>
+                <a:solidFill>
+                  <a:schemeClr val="tx1"/>
+                </a:solidFill>
+                <a:latin typeface="Arial" panose="020B0604020202020204" pitchFamily="34" charset="0"/>
+              </a:defRPr>
+            </a:lvl1pPr>
+            <a:lvl2pPr eaLnBrk="0" fontAlgn="base" hangingPunct="0">
+              <a:spcBef>
+                <a:spcPct val="0"/>
+              </a:spcBef>
+              <a:spcAft>
+                <a:spcPct val="0"/>
+              </a:spcAft>
+              <a:defRPr>
+                <a:solidFill>
+                  <a:schemeClr val="tx1"/>
+                </a:solidFill>
+                <a:latin typeface="Arial" panose="020B0604020202020204" pitchFamily="34" charset="0"/>
+              </a:defRPr>
+            </a:lvl2pPr>
+            <a:lvl3pPr eaLnBrk="0" fontAlgn="base" hangingPunct="0">
+              <a:spcBef>
+                <a:spcPct val="0"/>
+              </a:spcBef>
+              <a:spcAft>
+                <a:spcPct val="0"/>
+              </a:spcAft>
+              <a:defRPr>
+                <a:solidFill>
+                  <a:schemeClr val="tx1"/>
+                </a:solidFill>
+                <a:latin typeface="Arial" panose="020B0604020202020204" pitchFamily="34" charset="0"/>
+              </a:defRPr>
+            </a:lvl3pPr>
+            <a:lvl4pPr eaLnBrk="0" fontAlgn="base" hangingPunct="0">
+              <a:spcBef>
+                <a:spcPct val="0"/>
+              </a:spcBef>
+              <a:spcAft>
+                <a:spcPct val="0"/>
+              </a:spcAft>
+              <a:defRPr>
+                <a:solidFill>
+                  <a:schemeClr val="tx1"/>
+                </a:solidFill>
+                <a:latin typeface="Arial" panose="020B0604020202020204" pitchFamily="34" charset="0"/>
+              </a:defRPr>
+            </a:lvl4pPr>
+            <a:lvl5pPr eaLnBrk="0" fontAlgn="base" hangingPunct="0">
+              <a:spcBef>
+                <a:spcPct val="0"/>
+              </a:spcBef>
+              <a:spcAft>
+                <a:spcPct val="0"/>
+              </a:spcAft>
+              <a:defRPr>
+                <a:solidFill>
+                  <a:schemeClr val="tx1"/>
+                </a:solidFill>
+                <a:latin typeface="Arial" panose="020B0604020202020204" pitchFamily="34" charset="0"/>
+              </a:defRPr>
+            </a:lvl5pPr>
+            <a:lvl6pPr eaLnBrk="0" fontAlgn="base" hangingPunct="0">
+              <a:spcBef>
+                <a:spcPct val="0"/>
+              </a:spcBef>
+              <a:spcAft>
+                <a:spcPct val="0"/>
+              </a:spcAft>
+              <a:defRPr>
+                <a:solidFill>
+                  <a:schemeClr val="tx1"/>
+                </a:solidFill>
+                <a:latin typeface="Arial" panose="020B0604020202020204" pitchFamily="34" charset="0"/>
+              </a:defRPr>
+            </a:lvl6pPr>
+            <a:lvl7pPr eaLnBrk="0" fontAlgn="base" hangingPunct="0">
+              <a:spcBef>
+                <a:spcPct val="0"/>
+              </a:spcBef>
+              <a:spcAft>
+                <a:spcPct val="0"/>
+              </a:spcAft>
+              <a:defRPr>
+                <a:solidFill>
+                  <a:schemeClr val="tx1"/>
+                </a:solidFill>
+                <a:latin typeface="Arial" panose="020B0604020202020204" pitchFamily="34" charset="0"/>
+              </a:defRPr>
+            </a:lvl7pPr>
+            <a:lvl8pPr eaLnBrk="0" fontAlgn="base" hangingPunct="0">
+              <a:spcBef>
+                <a:spcPct val="0"/>
+              </a:spcBef>
+              <a:spcAft>
+                <a:spcPct val="0"/>
+              </a:spcAft>
+              <a:defRPr>
+                <a:solidFill>
+                  <a:schemeClr val="tx1"/>
+                </a:solidFill>
+                <a:latin typeface="Arial" panose="020B0604020202020204" pitchFamily="34" charset="0"/>
+              </a:defRPr>
+            </a:lvl8pPr>
+            <a:lvl9pPr eaLnBrk="0" fontAlgn="base" hangingPunct="0">
+              <a:spcBef>
+                <a:spcPct val="0"/>
+              </a:spcBef>
+              <a:spcAft>
+                <a:spcPct val="0"/>
+              </a:spcAft>
+              <a:defRPr>
+                <a:solidFill>
+                  <a:schemeClr val="tx1"/>
+                </a:solidFill>
+                <a:latin typeface="Arial" panose="020B0604020202020204" pitchFamily="34" charset="0"/>
+              </a:defRPr>
+            </a:lvl9pPr>
+          </a:lstStyle>
+          <a:p>
+            <a:pPr marL="0" marR="0" lvl="0" indent="0" algn="ctr" defTabSz="914400" rtl="0" eaLnBrk="0" fontAlgn="base" latinLnBrk="0" hangingPunct="0">
+              <a:lnSpc>
+                <a:spcPct val="100000"/>
+              </a:lnSpc>
+              <a:spcBef>
+                <a:spcPct val="0"/>
+              </a:spcBef>
+              <a:spcAft>
+                <a:spcPct val="0"/>
+              </a:spcAft>
+              <a:buClrTx/>
+              <a:buSzTx/>
+              <a:buFontTx/>
+              <a:buNone/>
+              <a:tabLst/>
+            </a:pPr>
+            <a:r>
+              <a:rPr kumimoji="0" lang="en-US" sz="1200" b="0" i="0" u="none" strike="noStrike" cap="none" normalizeH="0" baseline="0" smtClean="0">
+                <a:ln>
+                  <a:noFill/>
+                </a:ln>
+                <a:solidFill>
+                  <a:schemeClr val="tx1"/>
+                </a:solidFill>
+                <a:effectLst/>
+                <a:latin typeface="Calibri" panose="020F0502020204030204" pitchFamily="34" charset="0"/>
+                <a:ea typeface="MS Mincho" panose="02020609040205080304" pitchFamily="49" charset="-128"/>
+                <a:cs typeface="Arial" panose="020B0604020202020204" pitchFamily="34" charset="0"/>
+              </a:rPr>
+              <a:t>Table IV: Two-wave Fixed Effects Regression on Subjective Religious Importance (N=2724)</a:t>
+            </a:r>
+            <a:endParaRPr kumimoji="0" lang="en-US" sz="1800" b="0" i="0" u="none" strike="noStrike" cap="none" normalizeH="0" baseline="0" smtClean="0">
+              <a:ln>
+                <a:noFill/>
+              </a:ln>
+              <a:solidFill>
+                <a:schemeClr val="tx1"/>
+              </a:solidFill>
+              <a:effectLst/>
+              <a:latin typeface="Arial" panose="020B0604020202020204" pitchFamily="34" charset="0"/>
+            </a:endParaRPr>
+          </a:p>
+        </p:txBody>
+      </p:sp>
+    </p:spTree>
+    <p:extLst>
+      <p:ext uri="{BB962C8B-B14F-4D97-AF65-F5344CB8AC3E}">
+        <p14:creationId xmlns:p14="http://schemas.microsoft.com/office/powerpoint/2010/main" val="3244848651"/>
+      </p:ext>
+    </p:extLst>
+  </p:cSld>
+  <p:clrMapOvr>
+    <a:masterClrMapping/>
+  </p:clrMapOvr>
+  <p:timing>
+    <p:tnLst>
+      <p:par>
+        <p:cTn id="1" dur="indefinite" restart="never" nodeType="tmRoot"/>
+      </p:par>
+    </p:tnLst>
+  </p:timing>
+</p:sld>
+</file>
+
+<file path=ppt/slides/slide18.xml><?xml version="1.0" encoding="utf-8"?>
 <p:sld xmlns:a="http://schemas.openxmlformats.org/drawingml/2006/main" xmlns:r="http://schemas.openxmlformats.org/officeDocument/2006/relationships" xmlns:p="http://schemas.openxmlformats.org/presentationml/2006/main">
   <p:cSld>
     <p:spTree>

--- a/Choosing a Social Network Tool (December 2013).pptx
+++ b/Choosing a Social Network Tool (December 2013).pptx
@@ -5,7 +5,7 @@
     <p:sldMasterId id="2147483840" r:id="rId1"/>
   </p:sldMasterIdLst>
   <p:notesMasterIdLst>
-    <p:notesMasterId r:id="rId20"/>
+    <p:notesMasterId r:id="rId22"/>
   </p:notesMasterIdLst>
   <p:sldIdLst>
     <p:sldId id="256" r:id="rId2"/>
@@ -16,16 +16,18 @@
     <p:sldId id="261" r:id="rId7"/>
     <p:sldId id="262" r:id="rId8"/>
     <p:sldId id="260" r:id="rId9"/>
-    <p:sldId id="264" r:id="rId10"/>
-    <p:sldId id="265" r:id="rId11"/>
-    <p:sldId id="266" r:id="rId12"/>
-    <p:sldId id="267" r:id="rId13"/>
-    <p:sldId id="268" r:id="rId14"/>
-    <p:sldId id="269" r:id="rId15"/>
-    <p:sldId id="270" r:id="rId16"/>
-    <p:sldId id="271" r:id="rId17"/>
-    <p:sldId id="276" r:id="rId18"/>
-    <p:sldId id="274" r:id="rId19"/>
+    <p:sldId id="277" r:id="rId10"/>
+    <p:sldId id="264" r:id="rId11"/>
+    <p:sldId id="265" r:id="rId12"/>
+    <p:sldId id="266" r:id="rId13"/>
+    <p:sldId id="267" r:id="rId14"/>
+    <p:sldId id="268" r:id="rId15"/>
+    <p:sldId id="269" r:id="rId16"/>
+    <p:sldId id="270" r:id="rId17"/>
+    <p:sldId id="271" r:id="rId18"/>
+    <p:sldId id="276" r:id="rId19"/>
+    <p:sldId id="278" r:id="rId20"/>
+    <p:sldId id="274" r:id="rId21"/>
   </p:sldIdLst>
   <p:sldSz cx="12192000" cy="6858000"/>
   <p:notesSz cx="6858000" cy="9144000"/>
@@ -214,7 +216,7 @@
           <a:p>
             <a:fld id="{43C887F9-76F9-4F13-A110-D2D39C559A92}" type="datetimeFigureOut">
               <a:rPr lang="en-US" smtClean="0"/>
-              <a:t>12/5/2013</a:t>
+              <a:t>12/12/2013</a:t>
             </a:fld>
             <a:endParaRPr lang="en-US"/>
           </a:p>
@@ -547,7 +549,7 @@
           <a:p>
             <a:fld id="{ECE96627-4DFE-44AE-8A53-9080533AFFEB}" type="slidenum">
               <a:rPr lang="en-US" smtClean="0"/>
-              <a:t>11</a:t>
+              <a:t>12</a:t>
             </a:fld>
             <a:endParaRPr lang="en-US"/>
           </a:p>
@@ -557,6 +559,98 @@
     <p:extLst>
       <p:ext uri="{BB962C8B-B14F-4D97-AF65-F5344CB8AC3E}">
         <p14:creationId xmlns:p14="http://schemas.microsoft.com/office/powerpoint/2010/main" val="3859334487"/>
+      </p:ext>
+    </p:extLst>
+  </p:cSld>
+  <p:clrMapOvr>
+    <a:masterClrMapping/>
+  </p:clrMapOvr>
+</p:notes>
+</file>
+
+<file path=ppt/notesSlides/notesSlide2.xml><?xml version="1.0" encoding="utf-8"?>
+<p:notes xmlns:a="http://schemas.openxmlformats.org/drawingml/2006/main" xmlns:r="http://schemas.openxmlformats.org/officeDocument/2006/relationships" xmlns:p="http://schemas.openxmlformats.org/presentationml/2006/main">
+  <p:cSld>
+    <p:spTree>
+      <p:nvGrpSpPr>
+        <p:cNvPr id="1" name=""/>
+        <p:cNvGrpSpPr/>
+        <p:nvPr/>
+      </p:nvGrpSpPr>
+      <p:grpSpPr>
+        <a:xfrm>
+          <a:off x="0" y="0"/>
+          <a:ext cx="0" cy="0"/>
+          <a:chOff x="0" y="0"/>
+          <a:chExt cx="0" cy="0"/>
+        </a:xfrm>
+      </p:grpSpPr>
+      <p:sp>
+        <p:nvSpPr>
+          <p:cNvPr id="2" name="Slide Image Placeholder 1"/>
+          <p:cNvSpPr>
+            <a:spLocks noGrp="1" noRot="1" noChangeAspect="1"/>
+          </p:cNvSpPr>
+          <p:nvPr>
+            <p:ph type="sldImg"/>
+          </p:nvPr>
+        </p:nvSpPr>
+        <p:spPr/>
+      </p:sp>
+      <p:sp>
+        <p:nvSpPr>
+          <p:cNvPr id="3" name="Notes Placeholder 2"/>
+          <p:cNvSpPr>
+            <a:spLocks noGrp="1"/>
+          </p:cNvSpPr>
+          <p:nvPr>
+            <p:ph type="body" idx="1"/>
+          </p:nvPr>
+        </p:nvSpPr>
+        <p:spPr/>
+        <p:txBody>
+          <a:bodyPr/>
+          <a:lstStyle/>
+          <a:p>
+            <a:r>
+              <a:rPr lang="en-US" dirty="0" smtClean="0"/>
+              <a:t>This sample table from my own work shows the</a:t>
+            </a:r>
+            <a:r>
+              <a:rPr lang="en-US" baseline="0" dirty="0" smtClean="0"/>
+              <a:t> value of network measures in regression. Friend religious heterogeneity (i.e. diversity) and friend mean religiosity and worship attendance are all important parts of the story of how people’s religiosity develops in adolescence.</a:t>
+            </a:r>
+            <a:endParaRPr lang="en-US" dirty="0"/>
+          </a:p>
+        </p:txBody>
+      </p:sp>
+      <p:sp>
+        <p:nvSpPr>
+          <p:cNvPr id="4" name="Slide Number Placeholder 3"/>
+          <p:cNvSpPr>
+            <a:spLocks noGrp="1"/>
+          </p:cNvSpPr>
+          <p:nvPr>
+            <p:ph type="sldNum" sz="quarter" idx="10"/>
+          </p:nvPr>
+        </p:nvSpPr>
+        <p:spPr/>
+        <p:txBody>
+          <a:bodyPr/>
+          <a:lstStyle/>
+          <a:p>
+            <a:fld id="{ECE96627-4DFE-44AE-8A53-9080533AFFEB}" type="slidenum">
+              <a:rPr lang="en-US" smtClean="0"/>
+              <a:t>18</a:t>
+            </a:fld>
+            <a:endParaRPr lang="en-US"/>
+          </a:p>
+        </p:txBody>
+      </p:sp>
+    </p:spTree>
+    <p:extLst>
+      <p:ext uri="{BB962C8B-B14F-4D97-AF65-F5344CB8AC3E}">
+        <p14:creationId xmlns:p14="http://schemas.microsoft.com/office/powerpoint/2010/main" val="3547706868"/>
       </p:ext>
     </p:extLst>
   </p:cSld>
@@ -762,7 +856,7 @@
           <a:p>
             <a:fld id="{ACF1A1B0-862D-4909-A7DB-D8ADA062DFCA}" type="datetimeFigureOut">
               <a:rPr lang="en-US" dirty="0"/>
-              <a:t>12/5/2013</a:t>
+              <a:t>12/12/2013</a:t>
             </a:fld>
             <a:endParaRPr lang="en-US" dirty="0"/>
           </a:p>
@@ -982,7 +1076,7 @@
           <a:p>
             <a:fld id="{7B156144-9CB7-4E3A-B87E-A382F9BE05EF}" type="datetimeFigureOut">
               <a:rPr lang="en-US" dirty="0"/>
-              <a:t>12/5/2013</a:t>
+              <a:t>12/12/2013</a:t>
             </a:fld>
             <a:endParaRPr lang="en-US" dirty="0"/>
           </a:p>
@@ -1157,7 +1251,7 @@
           <a:p>
             <a:fld id="{2643D55F-46AB-4791-9172-4FA8DD3A6A9C}" type="datetimeFigureOut">
               <a:rPr lang="en-US" dirty="0"/>
-              <a:t>12/5/2013</a:t>
+              <a:t>12/12/2013</a:t>
             </a:fld>
             <a:endParaRPr lang="en-US" dirty="0"/>
           </a:p>
@@ -1322,7 +1416,7 @@
           <a:p>
             <a:fld id="{58026881-8A08-449C-8D73-E5F201F814C1}" type="datetimeFigureOut">
               <a:rPr lang="en-US" dirty="0"/>
-              <a:t>12/5/2013</a:t>
+              <a:t>12/12/2013</a:t>
             </a:fld>
             <a:endParaRPr lang="en-US" dirty="0"/>
           </a:p>
@@ -1608,7 +1702,7 @@
           <a:p>
             <a:fld id="{1BEB5A5E-0C07-4E93-A112-D37B4D166B30}" type="datetimeFigureOut">
               <a:rPr lang="en-US" dirty="0"/>
-              <a:t>12/5/2013</a:t>
+              <a:t>12/12/2013</a:t>
             </a:fld>
             <a:endParaRPr lang="en-US" dirty="0"/>
           </a:p>
@@ -1929,7 +2023,7 @@
           <a:p>
             <a:fld id="{9E1F71C5-DC57-4358-A1EA-30C08AF6E3C5}" type="datetimeFigureOut">
               <a:rPr lang="en-US" dirty="0"/>
-              <a:t>12/5/2013</a:t>
+              <a:t>12/12/2013</a:t>
             </a:fld>
             <a:endParaRPr lang="en-US" dirty="0"/>
           </a:p>
@@ -2336,7 +2430,7 @@
           <a:p>
             <a:fld id="{12571DBA-DE60-4731-B773-47AAA185C143}" type="datetimeFigureOut">
               <a:rPr lang="en-US" dirty="0"/>
-              <a:t>12/5/2013</a:t>
+              <a:t>12/12/2013</a:t>
             </a:fld>
             <a:endParaRPr lang="en-US" dirty="0"/>
           </a:p>
@@ -2449,7 +2543,7 @@
           <a:p>
             <a:fld id="{4F170639-886C-4FCF-9EAB-ABB5DA3F3F4A}" type="datetimeFigureOut">
               <a:rPr lang="en-US" dirty="0"/>
-              <a:t>12/5/2013</a:t>
+              <a:t>12/12/2013</a:t>
             </a:fld>
             <a:endParaRPr lang="en-US" dirty="0"/>
           </a:p>
@@ -2539,7 +2633,7 @@
           <a:p>
             <a:fld id="{34C4A628-C83B-4C66-83F4-1711CE3738FD}" type="datetimeFigureOut">
               <a:rPr lang="en-US" dirty="0"/>
-              <a:t>12/5/2013</a:t>
+              <a:t>12/12/2013</a:t>
             </a:fld>
             <a:endParaRPr lang="en-US" dirty="0"/>
           </a:p>
@@ -2821,7 +2915,7 @@
           <a:p>
             <a:fld id="{B88C1D73-9400-43CA-A37F-F9B7D00DE14C}" type="datetimeFigureOut">
               <a:rPr lang="en-US" dirty="0"/>
-              <a:t>12/5/2013</a:t>
+              <a:t>12/12/2013</a:t>
             </a:fld>
             <a:endParaRPr lang="en-US" dirty="0"/>
           </a:p>
@@ -3093,7 +3187,7 @@
           <a:p>
             <a:fld id="{188B7711-B905-4633-B4D7-6F3A49A2E7D9}" type="datetimeFigureOut">
               <a:rPr lang="en-US" dirty="0"/>
-              <a:t>12/5/2013</a:t>
+              <a:t>12/12/2013</a:t>
             </a:fld>
             <a:endParaRPr lang="en-US" dirty="0"/>
           </a:p>
@@ -3340,7 +3434,7 @@
             <a:fld id="{89C235CF-BDA2-4E7E-8BBD-350479985E74}" type="datetimeFigureOut">
               <a:rPr lang="en-US" dirty="0"/>
               <a:pPr/>
-              <a:t>12/5/2013</a:t>
+              <a:t>12/12/2013</a:t>
             </a:fld>
             <a:endParaRPr lang="en-US" dirty="0"/>
           </a:p>
@@ -3961,7 +4055,7 @@
       </p:grpSpPr>
       <p:sp>
         <p:nvSpPr>
-          <p:cNvPr id="5" name="Title 4"/>
+          <p:cNvPr id="2" name="Title 1"/>
           <p:cNvSpPr>
             <a:spLocks noGrp="1"/>
           </p:cNvSpPr>
@@ -3976,7 +4070,7 @@
           <a:p>
             <a:r>
               <a:rPr lang="en-US" dirty="0" smtClean="0"/>
-              <a:t>Format for Each Package</a:t>
+              <a:t>Data: Faux Mesa High</a:t>
             </a:r>
             <a:endParaRPr lang="en-US" dirty="0"/>
           </a:p>
@@ -3984,12 +4078,12 @@
       </p:sp>
       <p:sp>
         <p:nvSpPr>
-          <p:cNvPr id="6" name="Content Placeholder 5"/>
-          <p:cNvSpPr>
-            <a:spLocks noGrp="1"/>
-          </p:cNvSpPr>
-          <p:nvPr>
-            <p:ph idx="1"/>
+          <p:cNvPr id="3" name="Content Placeholder 2"/>
+          <p:cNvSpPr>
+            <a:spLocks noGrp="1"/>
+          </p:cNvSpPr>
+          <p:nvPr>
+            <p:ph sz="half" idx="1"/>
           </p:nvPr>
         </p:nvSpPr>
         <p:spPr/>
@@ -3999,6 +4093,210 @@
           <a:p>
             <a:r>
               <a:rPr lang="en-US" dirty="0" smtClean="0"/>
+              <a:t>“This </a:t>
+            </a:r>
+            <a:r>
+              <a:rPr lang="en-US" dirty="0"/>
+              <a:t>data set (formerly called “</a:t>
+            </a:r>
+            <a:r>
+              <a:rPr lang="en-US" dirty="0" err="1"/>
+              <a:t>fauxhigh</a:t>
+            </a:r>
+            <a:r>
+              <a:rPr lang="en-US" dirty="0"/>
+              <a:t>”) represents a simulation of an in-school </a:t>
+            </a:r>
+            <a:r>
+              <a:rPr lang="en-US" dirty="0" smtClean="0"/>
+              <a:t>[mutual] friendship </a:t>
+            </a:r>
+            <a:r>
+              <a:rPr lang="en-US" dirty="0"/>
+              <a:t>network. The network is named </a:t>
+            </a:r>
+            <a:r>
+              <a:rPr lang="en-US" dirty="0" err="1"/>
+              <a:t>faux.mesa.high</a:t>
+            </a:r>
+            <a:r>
+              <a:rPr lang="en-US" dirty="0"/>
+              <a:t> because the school </a:t>
+            </a:r>
+            <a:r>
+              <a:rPr lang="en-US" dirty="0" smtClean="0"/>
+              <a:t>community </a:t>
+            </a:r>
+            <a:r>
+              <a:rPr lang="en-US" dirty="0"/>
+              <a:t>on which it is based is in the rural western US, with a student body that is largely Hispanic and Native American</a:t>
+            </a:r>
+            <a:r>
+              <a:rPr lang="en-US" dirty="0" smtClean="0"/>
+              <a:t>.” (R package description)</a:t>
+            </a:r>
+          </a:p>
+          <a:p>
+            <a:pPr lvl="1"/>
+            <a:r>
+              <a:rPr lang="en-US" dirty="0" smtClean="0"/>
+              <a:t>Original reference: </a:t>
+            </a:r>
+            <a:r>
+              <a:rPr lang="en-US" dirty="0"/>
+              <a:t>Hunter D.R., </a:t>
+            </a:r>
+            <a:r>
+              <a:rPr lang="en-US" dirty="0" err="1"/>
+              <a:t>Goodreau</a:t>
+            </a:r>
+            <a:r>
+              <a:rPr lang="en-US" dirty="0"/>
+              <a:t> S.M. and </a:t>
+            </a:r>
+            <a:r>
+              <a:rPr lang="en-US" dirty="0" err="1"/>
+              <a:t>Handcock</a:t>
+            </a:r>
+            <a:r>
+              <a:rPr lang="en-US" dirty="0"/>
+              <a:t> M.S. (2008). </a:t>
+            </a:r>
+            <a:r>
+              <a:rPr lang="en-US" i="1" dirty="0"/>
+              <a:t>Goodness of Fit of Social Network </a:t>
+            </a:r>
+            <a:r>
+              <a:rPr lang="en-US" i="1" dirty="0" err="1"/>
+              <a:t>Models</a:t>
+            </a:r>
+            <a:r>
+              <a:rPr lang="en-US" dirty="0" err="1"/>
+              <a:t>,</a:t>
+            </a:r>
+            <a:r>
+              <a:rPr lang="en-US" i="1" dirty="0" err="1"/>
+              <a:t>Journal</a:t>
+            </a:r>
+            <a:r>
+              <a:rPr lang="en-US" i="1" dirty="0"/>
+              <a:t> of the American Statistical Association</a:t>
+            </a:r>
+            <a:r>
+              <a:rPr lang="en-US" dirty="0" smtClean="0"/>
+              <a:t>.</a:t>
+            </a:r>
+          </a:p>
+          <a:p>
+            <a:r>
+              <a:rPr lang="en-US" dirty="0" smtClean="0"/>
+              <a:t>205 Students (9-12), 203 friendships</a:t>
+            </a:r>
+          </a:p>
+        </p:txBody>
+      </p:sp>
+      <p:pic>
+        <p:nvPicPr>
+          <p:cNvPr id="6" name="Content Placeholder 5"/>
+          <p:cNvPicPr>
+            <a:picLocks noGrp="1" noChangeAspect="1"/>
+          </p:cNvPicPr>
+          <p:nvPr>
+            <p:ph sz="half" idx="2"/>
+          </p:nvPr>
+        </p:nvPicPr>
+        <p:blipFill rotWithShape="1">
+          <a:blip r:embed="rId2"/>
+          <a:srcRect l="18981" t="12463" r="14313" b="16203"/>
+          <a:stretch/>
+        </p:blipFill>
+        <p:spPr>
+          <a:xfrm>
+            <a:off x="6203091" y="1796145"/>
+            <a:ext cx="4406853" cy="4126859"/>
+          </a:xfrm>
+          <a:prstGeom prst="rect">
+            <a:avLst/>
+          </a:prstGeom>
+        </p:spPr>
+      </p:pic>
+    </p:spTree>
+    <p:extLst>
+      <p:ext uri="{BB962C8B-B14F-4D97-AF65-F5344CB8AC3E}">
+        <p14:creationId xmlns:p14="http://schemas.microsoft.com/office/powerpoint/2010/main" val="3714662434"/>
+      </p:ext>
+    </p:extLst>
+  </p:cSld>
+  <p:clrMapOvr>
+    <a:masterClrMapping/>
+  </p:clrMapOvr>
+  <p:timing>
+    <p:tnLst>
+      <p:par>
+        <p:cTn id="1" dur="indefinite" restart="never" nodeType="tmRoot"/>
+      </p:par>
+    </p:tnLst>
+  </p:timing>
+</p:sld>
+</file>
+
+<file path=ppt/slides/slide11.xml><?xml version="1.0" encoding="utf-8"?>
+<p:sld xmlns:a="http://schemas.openxmlformats.org/drawingml/2006/main" xmlns:r="http://schemas.openxmlformats.org/officeDocument/2006/relationships" xmlns:p="http://schemas.openxmlformats.org/presentationml/2006/main">
+  <p:cSld>
+    <p:spTree>
+      <p:nvGrpSpPr>
+        <p:cNvPr id="1" name=""/>
+        <p:cNvGrpSpPr/>
+        <p:nvPr/>
+      </p:nvGrpSpPr>
+      <p:grpSpPr>
+        <a:xfrm>
+          <a:off x="0" y="0"/>
+          <a:ext cx="0" cy="0"/>
+          <a:chOff x="0" y="0"/>
+          <a:chExt cx="0" cy="0"/>
+        </a:xfrm>
+      </p:grpSpPr>
+      <p:sp>
+        <p:nvSpPr>
+          <p:cNvPr id="5" name="Title 4"/>
+          <p:cNvSpPr>
+            <a:spLocks noGrp="1"/>
+          </p:cNvSpPr>
+          <p:nvPr>
+            <p:ph type="title"/>
+          </p:nvPr>
+        </p:nvSpPr>
+        <p:spPr/>
+        <p:txBody>
+          <a:bodyPr/>
+          <a:lstStyle/>
+          <a:p>
+            <a:r>
+              <a:rPr lang="en-US" dirty="0" smtClean="0"/>
+              <a:t>Format for Each Package</a:t>
+            </a:r>
+            <a:endParaRPr lang="en-US" dirty="0"/>
+          </a:p>
+        </p:txBody>
+      </p:sp>
+      <p:sp>
+        <p:nvSpPr>
+          <p:cNvPr id="6" name="Content Placeholder 5"/>
+          <p:cNvSpPr>
+            <a:spLocks noGrp="1"/>
+          </p:cNvSpPr>
+          <p:nvPr>
+            <p:ph idx="1"/>
+          </p:nvPr>
+        </p:nvSpPr>
+        <p:spPr/>
+        <p:txBody>
+          <a:bodyPr/>
+          <a:lstStyle/>
+          <a:p>
+            <a:r>
+              <a:rPr lang="en-US" dirty="0" smtClean="0"/>
               <a:t>Live demo of core functionality</a:t>
             </a:r>
           </a:p>
@@ -4049,7 +4347,11 @@
             <a:pPr lvl="1"/>
             <a:r>
               <a:rPr lang="en-US" dirty="0" smtClean="0"/>
-              <a:t>Friends Means and Heterogeneity</a:t>
+              <a:t>Friends Means and </a:t>
+            </a:r>
+            <a:r>
+              <a:rPr lang="en-US" dirty="0" smtClean="0"/>
+              <a:t>Heterogeneity (when possible)</a:t>
             </a:r>
             <a:endParaRPr lang="en-US" dirty="0" smtClean="0"/>
           </a:p>
@@ -4101,7 +4403,7 @@
 </p:sld>
 </file>
 
-<file path=ppt/slides/slide11.xml><?xml version="1.0" encoding="utf-8"?>
+<file path=ppt/slides/slide12.xml><?xml version="1.0" encoding="utf-8"?>
 <p:sld xmlns:a="http://schemas.openxmlformats.org/drawingml/2006/main" xmlns:r="http://schemas.openxmlformats.org/officeDocument/2006/relationships" xmlns:p="http://schemas.openxmlformats.org/presentationml/2006/main">
   <p:cSld>
     <p:spTree>
@@ -4196,7 +4498,7 @@
 </p:sld>
 </file>
 
-<file path=ppt/slides/slide12.xml><?xml version="1.0" encoding="utf-8"?>
+<file path=ppt/slides/slide13.xml><?xml version="1.0" encoding="utf-8"?>
 <p:sld xmlns:a="http://schemas.openxmlformats.org/drawingml/2006/main" xmlns:r="http://schemas.openxmlformats.org/officeDocument/2006/relationships" xmlns:p="http://schemas.openxmlformats.org/presentationml/2006/main">
   <p:cSld>
     <p:spTree>
@@ -4284,7 +4586,7 @@
 </p:sld>
 </file>
 
-<file path=ppt/slides/slide13.xml><?xml version="1.0" encoding="utf-8"?>
+<file path=ppt/slides/slide14.xml><?xml version="1.0" encoding="utf-8"?>
 <p:sld xmlns:a="http://schemas.openxmlformats.org/drawingml/2006/main" xmlns:r="http://schemas.openxmlformats.org/officeDocument/2006/relationships" xmlns:p="http://schemas.openxmlformats.org/presentationml/2006/main">
   <p:cSld>
     <p:spTree>
@@ -4316,9 +4618,14 @@
           <a:bodyPr/>
           <a:lstStyle/>
           <a:p>
-            <a:r>
-              <a:rPr lang="en-US" dirty="0" smtClean="0"/>
-              <a:t>R: Programmers and Persistence</a:t>
+            <a:pPr algn="ctr"/>
+            <a:r>
+              <a:rPr lang="en-US" dirty="0" smtClean="0"/>
+              <a:t>R: </a:t>
+            </a:r>
+            <a:r>
+              <a:rPr lang="en-US" dirty="0" smtClean="0"/>
+              <a:t>Anything You are Persistent Enough to Get</a:t>
             </a:r>
             <a:endParaRPr lang="en-US" dirty="0"/>
           </a:p>
@@ -4372,7 +4679,7 @@
 </p:sld>
 </file>
 
-<file path=ppt/slides/slide14.xml><?xml version="1.0" encoding="utf-8"?>
+<file path=ppt/slides/slide15.xml><?xml version="1.0" encoding="utf-8"?>
 <p:sld xmlns:a="http://schemas.openxmlformats.org/drawingml/2006/main" xmlns:r="http://schemas.openxmlformats.org/officeDocument/2006/relationships" xmlns:p="http://schemas.openxmlformats.org/presentationml/2006/main">
   <p:cSld>
     <p:spTree>
@@ -4462,7 +4769,7 @@
 </p:sld>
 </file>
 
-<file path=ppt/slides/slide15.xml><?xml version="1.0" encoding="utf-8"?>
+<file path=ppt/slides/slide16.xml><?xml version="1.0" encoding="utf-8"?>
 <p:sld xmlns:a="http://schemas.openxmlformats.org/drawingml/2006/main" xmlns:r="http://schemas.openxmlformats.org/officeDocument/2006/relationships" xmlns:p="http://schemas.openxmlformats.org/presentationml/2006/main">
   <p:cSld>
     <p:spTree>
@@ -4548,7 +4855,7 @@
 </p:sld>
 </file>
 
-<file path=ppt/slides/slide16.xml><?xml version="1.0" encoding="utf-8"?>
+<file path=ppt/slides/slide17.xml><?xml version="1.0" encoding="utf-8"?>
 <p:sld xmlns:a="http://schemas.openxmlformats.org/drawingml/2006/main" xmlns:r="http://schemas.openxmlformats.org/officeDocument/2006/relationships" xmlns:p="http://schemas.openxmlformats.org/presentationml/2006/main">
   <p:cSld>
     <p:spTree>
@@ -4598,9 +4905,16 @@
             <p:ph idx="1"/>
           </p:nvPr>
         </p:nvSpPr>
-        <p:spPr/>
-        <p:txBody>
-          <a:bodyPr/>
+        <p:spPr>
+          <a:xfrm>
+            <a:off x="1261872" y="1691322"/>
+            <a:ext cx="8595360" cy="4753021"/>
+          </a:xfrm>
+        </p:spPr>
+        <p:txBody>
+          <a:bodyPr>
+            <a:normAutofit fontScale="92500" lnSpcReduction="10000"/>
+          </a:bodyPr>
           <a:lstStyle/>
           <a:p>
             <a:r>
@@ -4661,7 +4975,11 @@
           <a:p>
             <a:r>
               <a:rPr lang="en-US" dirty="0" smtClean="0"/>
-              <a:t>Your own Comfort Level</a:t>
+              <a:t>Personal Comfort </a:t>
+            </a:r>
+            <a:r>
+              <a:rPr lang="en-US" dirty="0" smtClean="0"/>
+              <a:t>Level</a:t>
             </a:r>
           </a:p>
           <a:p>
@@ -4675,8 +4993,57 @@
             <a:pPr lvl="1"/>
             <a:r>
               <a:rPr lang="en-US" dirty="0" smtClean="0"/>
-              <a:t>Know your limits</a:t>
-            </a:r>
+              <a:t>Know your </a:t>
+            </a:r>
+            <a:r>
+              <a:rPr lang="en-US" dirty="0" smtClean="0"/>
+              <a:t>limits</a:t>
+            </a:r>
+          </a:p>
+          <a:p>
+            <a:r>
+              <a:rPr lang="en-US" dirty="0" smtClean="0"/>
+              <a:t>Cost</a:t>
+            </a:r>
+          </a:p>
+          <a:p>
+            <a:pPr lvl="1"/>
+            <a:r>
+              <a:rPr lang="en-US" dirty="0" smtClean="0"/>
+              <a:t>R: 100% free</a:t>
+            </a:r>
+          </a:p>
+          <a:p>
+            <a:pPr lvl="1"/>
+            <a:r>
+              <a:rPr lang="en-US" dirty="0" err="1" smtClean="0"/>
+              <a:t>NodeXL</a:t>
+            </a:r>
+            <a:r>
+              <a:rPr lang="en-US" dirty="0" smtClean="0"/>
+              <a:t>: Free plugin but only for Excel for Windows 2007-2013</a:t>
+            </a:r>
+          </a:p>
+          <a:p>
+            <a:pPr lvl="1"/>
+            <a:r>
+              <a:rPr lang="en-US" dirty="0" smtClean="0"/>
+              <a:t>UCINET: Free 60 days, then $40 student/$150 faculty perpetual license</a:t>
+            </a:r>
+          </a:p>
+          <a:p>
+            <a:pPr lvl="1"/>
+            <a:r>
+              <a:rPr lang="en-US" dirty="0" err="1" smtClean="0"/>
+              <a:t>Stata</a:t>
+            </a:r>
+            <a:r>
+              <a:rPr lang="en-US" dirty="0" smtClean="0"/>
+              <a:t> and SAS: Free plugins; paid software licenses</a:t>
+            </a:r>
+          </a:p>
+          <a:p>
+            <a:pPr lvl="1"/>
             <a:endParaRPr lang="en-US" dirty="0"/>
           </a:p>
         </p:txBody>
@@ -4701,7 +5068,7 @@
 </p:sld>
 </file>
 
-<file path=ppt/slides/slide17.xml><?xml version="1.0" encoding="utf-8"?>
+<file path=ppt/slides/slide18.xml><?xml version="1.0" encoding="utf-8"?>
 <p:sld xmlns:a="http://schemas.openxmlformats.org/drawingml/2006/main" xmlns:r="http://schemas.openxmlformats.org/officeDocument/2006/relationships" xmlns:p="http://schemas.openxmlformats.org/presentationml/2006/main">
   <p:cSld>
     <p:spTree>
@@ -4751,7 +5118,7 @@
             <p:ph idx="1"/>
             <p:extLst>
               <p:ext uri="{D42A27DB-BD31-4B8C-83A1-F6EECF244321}">
-                <p14:modId xmlns:p14="http://schemas.microsoft.com/office/powerpoint/2010/main" val="1496933847"/>
+                <p14:modId xmlns:p14="http://schemas.microsoft.com/office/powerpoint/2010/main" val="3186961748"/>
               </p:ext>
             </p:extLst>
           </p:nvPr>
@@ -4791,12 +5158,12 @@
                         </a:spcAft>
                       </a:pPr>
                       <a:r>
-                        <a:rPr lang="en-US" sz="800">
+                        <a:rPr lang="en-US" sz="800" dirty="0">
                           <a:effectLst/>
                         </a:rPr>
                         <a:t> </a:t>
                       </a:r>
-                      <a:endParaRPr lang="en-US" sz="1100">
+                      <a:endParaRPr lang="en-US" sz="1100" dirty="0">
                         <a:effectLst/>
                         <a:latin typeface="Calibri" panose="020F0502020204030204" pitchFamily="34" charset="0"/>
                         <a:ea typeface="MS Mincho" panose="02020609040205080304" pitchFamily="49" charset="-128"/>
@@ -5795,12 +6162,12 @@
                         </a:spcAft>
                       </a:pPr>
                       <a:r>
-                        <a:rPr lang="en-US" sz="800">
+                        <a:rPr lang="en-US" sz="800" dirty="0">
                           <a:effectLst/>
                         </a:rPr>
                         <a:t> </a:t>
                       </a:r>
-                      <a:endParaRPr lang="en-US" sz="1100">
+                      <a:endParaRPr lang="en-US" sz="1100" dirty="0">
                         <a:effectLst/>
                       </a:endParaRPr>
                     </a:p>
@@ -5817,12 +6184,12 @@
                         </a:spcAft>
                       </a:pPr>
                       <a:r>
-                        <a:rPr lang="en-US" sz="800">
+                        <a:rPr lang="en-US" sz="800" dirty="0">
                           <a:effectLst/>
                         </a:rPr>
                         <a:t>.081 (.021)***</a:t>
                       </a:r>
-                      <a:endParaRPr lang="en-US" sz="1100">
+                      <a:endParaRPr lang="en-US" sz="1100" dirty="0">
                         <a:effectLst/>
                       </a:endParaRPr>
                     </a:p>
@@ -5839,12 +6206,12 @@
                         </a:spcAft>
                       </a:pPr>
                       <a:r>
-                        <a:rPr lang="en-US" sz="800">
+                        <a:rPr lang="en-US" sz="800" dirty="0">
                           <a:effectLst/>
                         </a:rPr>
                         <a:t>-.023 (.021)</a:t>
                       </a:r>
-                      <a:endParaRPr lang="en-US" sz="1100">
+                      <a:endParaRPr lang="en-US" sz="1100" dirty="0">
                         <a:effectLst/>
                         <a:latin typeface="Calibri" panose="020F0502020204030204" pitchFamily="34" charset="0"/>
                         <a:ea typeface="MS Mincho" panose="02020609040205080304" pitchFamily="49" charset="-128"/>
@@ -6101,12 +6468,396 @@
                         </a:spcAft>
                       </a:pPr>
                       <a:r>
-                        <a:rPr lang="en-US" sz="800">
+                        <a:rPr lang="en-US" sz="800" dirty="0">
                           <a:effectLst/>
                         </a:rPr>
                         <a:t> </a:t>
                       </a:r>
-                      <a:endParaRPr lang="en-US" sz="1100">
+                      <a:endParaRPr lang="en-US" sz="1100" dirty="0">
+                        <a:effectLst/>
+                        <a:latin typeface="Calibri" panose="020F0502020204030204" pitchFamily="34" charset="0"/>
+                        <a:ea typeface="MS Mincho" panose="02020609040205080304" pitchFamily="49" charset="-128"/>
+                        <a:cs typeface="Arial" panose="020B0604020202020204" pitchFamily="34" charset="0"/>
+                      </a:endParaRPr>
+                    </a:p>
+                  </a:txBody>
+                  <a:tcPr marL="68580" marR="68580" marT="0" marB="0"/>
+                </a:tc>
+                <a:tc>
+                  <a:txBody>
+                    <a:bodyPr/>
+                    <a:lstStyle/>
+                    <a:p>
+                      <a:pPr marL="0" marR="0" algn="l">
+                        <a:lnSpc>
+                          <a:spcPct val="115000"/>
+                        </a:lnSpc>
+                        <a:spcBef>
+                          <a:spcPts val="0"/>
+                        </a:spcBef>
+                        <a:spcAft>
+                          <a:spcPts val="0"/>
+                        </a:spcAft>
+                      </a:pPr>
+                      <a:r>
+                        <a:rPr lang="en-US" sz="800" dirty="0">
+                          <a:effectLst/>
+                        </a:rPr>
+                        <a:t> </a:t>
+                      </a:r>
+                      <a:endParaRPr lang="en-US" sz="1100" dirty="0">
+                        <a:effectLst/>
+                        <a:latin typeface="Calibri" panose="020F0502020204030204" pitchFamily="34" charset="0"/>
+                        <a:ea typeface="MS Mincho" panose="02020609040205080304" pitchFamily="49" charset="-128"/>
+                        <a:cs typeface="Arial" panose="020B0604020202020204" pitchFamily="34" charset="0"/>
+                      </a:endParaRPr>
+                    </a:p>
+                  </a:txBody>
+                  <a:tcPr marL="68580" marR="68580" marT="0" marB="0"/>
+                </a:tc>
+                <a:tc>
+                  <a:txBody>
+                    <a:bodyPr/>
+                    <a:lstStyle/>
+                    <a:p>
+                      <a:pPr marL="0" marR="0" algn="l">
+                        <a:lnSpc>
+                          <a:spcPct val="115000"/>
+                        </a:lnSpc>
+                        <a:spcBef>
+                          <a:spcPts val="0"/>
+                        </a:spcBef>
+                        <a:spcAft>
+                          <a:spcPts val="0"/>
+                        </a:spcAft>
+                      </a:pPr>
+                      <a:r>
+                        <a:rPr lang="en-US" sz="800" b="1" dirty="0">
+                          <a:effectLst/>
+                        </a:rPr>
+                        <a:t> </a:t>
+                      </a:r>
+                      <a:endParaRPr lang="en-US" sz="1100" b="1" dirty="0">
+                        <a:effectLst/>
+                      </a:endParaRPr>
+                    </a:p>
+                    <a:p>
+                      <a:pPr marL="0" marR="0" algn="l">
+                        <a:lnSpc>
+                          <a:spcPct val="115000"/>
+                        </a:lnSpc>
+                        <a:spcBef>
+                          <a:spcPts val="0"/>
+                        </a:spcBef>
+                        <a:spcAft>
+                          <a:spcPts val="0"/>
+                        </a:spcAft>
+                      </a:pPr>
+                      <a:r>
+                        <a:rPr lang="en-US" sz="800" b="1" dirty="0">
+                          <a:effectLst/>
+                        </a:rPr>
+                        <a:t>-.067 (.011)***</a:t>
+                      </a:r>
+                      <a:endParaRPr lang="en-US" sz="1100" b="1" dirty="0">
+                        <a:effectLst/>
+                      </a:endParaRPr>
+                    </a:p>
+                    <a:p>
+                      <a:pPr marL="0" marR="0" algn="l">
+                        <a:lnSpc>
+                          <a:spcPct val="115000"/>
+                        </a:lnSpc>
+                        <a:spcBef>
+                          <a:spcPts val="0"/>
+                        </a:spcBef>
+                        <a:spcAft>
+                          <a:spcPts val="0"/>
+                        </a:spcAft>
+                      </a:pPr>
+                      <a:r>
+                        <a:rPr lang="en-US" sz="800" b="1" dirty="0">
+                          <a:effectLst/>
+                        </a:rPr>
+                        <a:t>.175 (.039)***</a:t>
+                      </a:r>
+                      <a:endParaRPr lang="en-US" sz="1100" b="1" dirty="0">
+                        <a:effectLst/>
+                        <a:latin typeface="Calibri" panose="020F0502020204030204" pitchFamily="34" charset="0"/>
+                        <a:ea typeface="MS Mincho" panose="02020609040205080304" pitchFamily="49" charset="-128"/>
+                        <a:cs typeface="Arial" panose="020B0604020202020204" pitchFamily="34" charset="0"/>
+                      </a:endParaRPr>
+                    </a:p>
+                  </a:txBody>
+                  <a:tcPr marL="68580" marR="68580" marT="0" marB="0">
+                    <a:solidFill>
+                      <a:schemeClr val="tx2">
+                        <a:lumMod val="50000"/>
+                      </a:schemeClr>
+                    </a:solidFill>
+                  </a:tcPr>
+                </a:tc>
+                <a:tc>
+                  <a:txBody>
+                    <a:bodyPr/>
+                    <a:lstStyle/>
+                    <a:p>
+                      <a:pPr marL="0" marR="0" algn="l">
+                        <a:lnSpc>
+                          <a:spcPct val="115000"/>
+                        </a:lnSpc>
+                        <a:spcBef>
+                          <a:spcPts val="0"/>
+                        </a:spcBef>
+                        <a:spcAft>
+                          <a:spcPts val="0"/>
+                        </a:spcAft>
+                      </a:pPr>
+                      <a:r>
+                        <a:rPr lang="en-US" sz="800" b="1">
+                          <a:effectLst/>
+                        </a:rPr>
+                        <a:t> </a:t>
+                      </a:r>
+                      <a:endParaRPr lang="en-US" sz="1100" b="1">
+                        <a:effectLst/>
+                      </a:endParaRPr>
+                    </a:p>
+                    <a:p>
+                      <a:pPr marL="0" marR="0" algn="l">
+                        <a:lnSpc>
+                          <a:spcPct val="115000"/>
+                        </a:lnSpc>
+                        <a:spcBef>
+                          <a:spcPts val="0"/>
+                        </a:spcBef>
+                        <a:spcAft>
+                          <a:spcPts val="0"/>
+                        </a:spcAft>
+                      </a:pPr>
+                      <a:r>
+                        <a:rPr lang="en-US" sz="800" b="1">
+                          <a:effectLst/>
+                        </a:rPr>
+                        <a:t>-.033 (.014)*</a:t>
+                      </a:r>
+                      <a:endParaRPr lang="en-US" sz="1100" b="1">
+                        <a:effectLst/>
+                      </a:endParaRPr>
+                    </a:p>
+                    <a:p>
+                      <a:pPr marL="0" marR="0" algn="l">
+                        <a:lnSpc>
+                          <a:spcPct val="115000"/>
+                        </a:lnSpc>
+                        <a:spcBef>
+                          <a:spcPts val="0"/>
+                        </a:spcBef>
+                        <a:spcAft>
+                          <a:spcPts val="0"/>
+                        </a:spcAft>
+                      </a:pPr>
+                      <a:r>
+                        <a:rPr lang="en-US" sz="800" b="1">
+                          <a:effectLst/>
+                        </a:rPr>
+                        <a:t>.102 (.042)*</a:t>
+                      </a:r>
+                      <a:endParaRPr lang="en-US" sz="1100" b="1">
+                        <a:effectLst/>
+                        <a:latin typeface="Calibri" panose="020F0502020204030204" pitchFamily="34" charset="0"/>
+                        <a:ea typeface="MS Mincho" panose="02020609040205080304" pitchFamily="49" charset="-128"/>
+                        <a:cs typeface="Arial" panose="020B0604020202020204" pitchFamily="34" charset="0"/>
+                      </a:endParaRPr>
+                    </a:p>
+                  </a:txBody>
+                  <a:tcPr marL="68580" marR="68580" marT="0" marB="0">
+                    <a:solidFill>
+                      <a:schemeClr val="tx2">
+                        <a:lumMod val="50000"/>
+                      </a:schemeClr>
+                    </a:solidFill>
+                  </a:tcPr>
+                </a:tc>
+              </a:tr>
+              <a:tr h="1680749">
+                <a:tc>
+                  <a:txBody>
+                    <a:bodyPr/>
+                    <a:lstStyle/>
+                    <a:p>
+                      <a:pPr marL="0" marR="0" algn="l">
+                        <a:lnSpc>
+                          <a:spcPct val="115000"/>
+                        </a:lnSpc>
+                        <a:spcBef>
+                          <a:spcPts val="0"/>
+                        </a:spcBef>
+                        <a:spcAft>
+                          <a:spcPts val="0"/>
+                        </a:spcAft>
+                      </a:pPr>
+                      <a:r>
+                        <a:rPr lang="en-US" sz="800" dirty="0">
+                          <a:effectLst/>
+                        </a:rPr>
+                        <a:t>Friend Network Attributes</a:t>
+                      </a:r>
+                      <a:endParaRPr lang="en-US" sz="1100" dirty="0">
+                        <a:effectLst/>
+                      </a:endParaRPr>
+                    </a:p>
+                    <a:p>
+                      <a:pPr marL="0" marR="0" algn="l">
+                        <a:lnSpc>
+                          <a:spcPct val="115000"/>
+                        </a:lnSpc>
+                        <a:spcBef>
+                          <a:spcPts val="0"/>
+                        </a:spcBef>
+                        <a:spcAft>
+                          <a:spcPts val="0"/>
+                        </a:spcAft>
+                      </a:pPr>
+                      <a:r>
+                        <a:rPr lang="en-US" sz="800" dirty="0">
+                          <a:effectLst/>
+                        </a:rPr>
+                        <a:t>     Ego Network Mean Scores</a:t>
+                      </a:r>
+                      <a:endParaRPr lang="en-US" sz="1100" dirty="0">
+                        <a:effectLst/>
+                      </a:endParaRPr>
+                    </a:p>
+                    <a:p>
+                      <a:pPr marL="0" marR="0" algn="l">
+                        <a:lnSpc>
+                          <a:spcPct val="115000"/>
+                        </a:lnSpc>
+                        <a:spcBef>
+                          <a:spcPts val="0"/>
+                        </a:spcBef>
+                        <a:spcAft>
+                          <a:spcPts val="0"/>
+                        </a:spcAft>
+                      </a:pPr>
+                      <a:r>
+                        <a:rPr lang="en-US" sz="800" dirty="0">
+                          <a:effectLst/>
+                        </a:rPr>
+                        <a:t>Proportion Claiming a Religion</a:t>
+                      </a:r>
+                      <a:endParaRPr lang="en-US" sz="1100" dirty="0">
+                        <a:effectLst/>
+                      </a:endParaRPr>
+                    </a:p>
+                    <a:p>
+                      <a:pPr marL="0" marR="0" algn="l">
+                        <a:lnSpc>
+                          <a:spcPct val="115000"/>
+                        </a:lnSpc>
+                        <a:spcBef>
+                          <a:spcPts val="0"/>
+                        </a:spcBef>
+                        <a:spcAft>
+                          <a:spcPts val="0"/>
+                        </a:spcAft>
+                      </a:pPr>
+                      <a:r>
+                        <a:rPr lang="en-US" sz="800" dirty="0">
+                          <a:effectLst/>
+                        </a:rPr>
+                        <a:t>Mean Worship Attendance</a:t>
+                      </a:r>
+                      <a:endParaRPr lang="en-US" sz="1100" dirty="0">
+                        <a:effectLst/>
+                      </a:endParaRPr>
+                    </a:p>
+                    <a:p>
+                      <a:pPr marL="0" marR="0" algn="l">
+                        <a:lnSpc>
+                          <a:spcPct val="115000"/>
+                        </a:lnSpc>
+                        <a:spcBef>
+                          <a:spcPts val="0"/>
+                        </a:spcBef>
+                        <a:spcAft>
+                          <a:spcPts val="0"/>
+                        </a:spcAft>
+                      </a:pPr>
+                      <a:r>
+                        <a:rPr lang="en-US" sz="800" dirty="0">
+                          <a:effectLst/>
+                        </a:rPr>
+                        <a:t>Mean Biblical Literalism</a:t>
+                      </a:r>
+                      <a:endParaRPr lang="en-US" sz="1100" dirty="0">
+                        <a:effectLst/>
+                      </a:endParaRPr>
+                    </a:p>
+                    <a:p>
+                      <a:pPr marL="0" marR="0" algn="l">
+                        <a:lnSpc>
+                          <a:spcPct val="115000"/>
+                        </a:lnSpc>
+                        <a:spcBef>
+                          <a:spcPts val="0"/>
+                        </a:spcBef>
+                        <a:spcAft>
+                          <a:spcPts val="0"/>
+                        </a:spcAft>
+                      </a:pPr>
+                      <a:r>
+                        <a:rPr lang="en-US" sz="800" dirty="0">
+                          <a:effectLst/>
+                        </a:rPr>
+                        <a:t>     Ego Network Heterogeneity</a:t>
+                      </a:r>
+                      <a:endParaRPr lang="en-US" sz="1100" dirty="0">
+                        <a:effectLst/>
+                      </a:endParaRPr>
+                    </a:p>
+                    <a:p>
+                      <a:pPr marL="0" marR="0" algn="l">
+                        <a:lnSpc>
+                          <a:spcPct val="115000"/>
+                        </a:lnSpc>
+                        <a:spcBef>
+                          <a:spcPts val="0"/>
+                        </a:spcBef>
+                        <a:spcAft>
+                          <a:spcPts val="0"/>
+                        </a:spcAft>
+                      </a:pPr>
+                      <a:r>
+                        <a:rPr lang="en-US" sz="800" dirty="0">
+                          <a:effectLst/>
+                        </a:rPr>
+                        <a:t>Racial/Ethnic Heterogeneity</a:t>
+                      </a:r>
+                      <a:endParaRPr lang="en-US" sz="1100" dirty="0">
+                        <a:effectLst/>
+                      </a:endParaRPr>
+                    </a:p>
+                    <a:p>
+                      <a:pPr marL="0" marR="0" algn="l">
+                        <a:lnSpc>
+                          <a:spcPct val="115000"/>
+                        </a:lnSpc>
+                        <a:spcBef>
+                          <a:spcPts val="0"/>
+                        </a:spcBef>
+                        <a:spcAft>
+                          <a:spcPts val="0"/>
+                        </a:spcAft>
+                      </a:pPr>
+                      <a:r>
+                        <a:rPr lang="en-US" sz="800" dirty="0">
+                          <a:effectLst/>
+                        </a:rPr>
+                        <a:t>Religious Heterogeneity</a:t>
+                      </a:r>
+                      <a:endParaRPr lang="en-US" sz="1100" dirty="0">
                         <a:effectLst/>
                         <a:latin typeface="Calibri" panose="020F0502020204030204" pitchFamily="34" charset="0"/>
                         <a:ea typeface="MS Mincho" panose="02020609040205080304" pitchFamily="49" charset="-128"/>
@@ -6172,50 +6923,6 @@
                       </a:r>
                       <a:endParaRPr lang="en-US" sz="1100">
                         <a:effectLst/>
-                      </a:endParaRPr>
-                    </a:p>
-                    <a:p>
-                      <a:pPr marL="0" marR="0" algn="l">
-                        <a:lnSpc>
-                          <a:spcPct val="115000"/>
-                        </a:lnSpc>
-                        <a:spcBef>
-                          <a:spcPts val="0"/>
-                        </a:spcBef>
-                        <a:spcAft>
-                          <a:spcPts val="0"/>
-                        </a:spcAft>
-                      </a:pPr>
-                      <a:r>
-                        <a:rPr lang="en-US" sz="800">
-                          <a:effectLst/>
-                        </a:rPr>
-                        <a:t>-.067 (.011)***</a:t>
-                      </a:r>
-                      <a:endParaRPr lang="en-US" sz="1100">
-                        <a:effectLst/>
-                      </a:endParaRPr>
-                    </a:p>
-                    <a:p>
-                      <a:pPr marL="0" marR="0" algn="l">
-                        <a:lnSpc>
-                          <a:spcPct val="115000"/>
-                        </a:lnSpc>
-                        <a:spcBef>
-                          <a:spcPts val="0"/>
-                        </a:spcBef>
-                        <a:spcAft>
-                          <a:spcPts val="0"/>
-                        </a:spcAft>
-                      </a:pPr>
-                      <a:r>
-                        <a:rPr lang="en-US" sz="800">
-                          <a:effectLst/>
-                        </a:rPr>
-                        <a:t>.175 (.039)***</a:t>
-                      </a:r>
-                      <a:endParaRPr lang="en-US" sz="1100">
-                        <a:effectLst/>
                         <a:latin typeface="Calibri" panose="020F0502020204030204" pitchFamily="34" charset="0"/>
                         <a:ea typeface="MS Mincho" panose="02020609040205080304" pitchFamily="49" charset="-128"/>
                         <a:cs typeface="Arial" panose="020B0604020202020204" pitchFamily="34" charset="0"/>
@@ -6241,56 +6948,12 @@
                         </a:spcAft>
                       </a:pPr>
                       <a:r>
-                        <a:rPr lang="en-US" sz="800">
+                        <a:rPr lang="en-US" sz="800" b="1" dirty="0">
                           <a:effectLst/>
                         </a:rPr>
                         <a:t> </a:t>
                       </a:r>
-                      <a:endParaRPr lang="en-US" sz="1100">
-                        <a:effectLst/>
-                      </a:endParaRPr>
-                    </a:p>
-                    <a:p>
-                      <a:pPr marL="0" marR="0" algn="l">
-                        <a:lnSpc>
-                          <a:spcPct val="115000"/>
-                        </a:lnSpc>
-                        <a:spcBef>
-                          <a:spcPts val="0"/>
-                        </a:spcBef>
-                        <a:spcAft>
-                          <a:spcPts val="0"/>
-                        </a:spcAft>
-                      </a:pPr>
-                      <a:r>
-                        <a:rPr lang="en-US" sz="800">
-                          <a:effectLst/>
-                        </a:rPr>
-                        <a:t>-.033 (.014)*</a:t>
-                      </a:r>
-                      <a:endParaRPr lang="en-US" sz="1100">
-                        <a:effectLst/>
-                      </a:endParaRPr>
-                    </a:p>
-                    <a:p>
-                      <a:pPr marL="0" marR="0" algn="l">
-                        <a:lnSpc>
-                          <a:spcPct val="115000"/>
-                        </a:lnSpc>
-                        <a:spcBef>
-                          <a:spcPts val="0"/>
-                        </a:spcBef>
-                        <a:spcAft>
-                          <a:spcPts val="0"/>
-                        </a:spcAft>
-                      </a:pPr>
-                      <a:r>
-                        <a:rPr lang="en-US" sz="800">
-                          <a:effectLst/>
-                        </a:rPr>
-                        <a:t>.102 (.042)*</a:t>
-                      </a:r>
-                      <a:endParaRPr lang="en-US" sz="1100">
+                      <a:endParaRPr lang="en-US" sz="1100" b="1" dirty="0">
                         <a:effectLst/>
                         <a:latin typeface="Calibri" panose="020F0502020204030204" pitchFamily="34" charset="0"/>
                         <a:ea typeface="MS Mincho" panose="02020609040205080304" pitchFamily="49" charset="-128"/>
@@ -6298,195 +6961,13 @@
                       </a:endParaRPr>
                     </a:p>
                   </a:txBody>
-                  <a:tcPr marL="68580" marR="68580" marT="0" marB="0"/>
-                </a:tc>
-              </a:tr>
-              <a:tr h="1680749">
-                <a:tc>
-                  <a:txBody>
-                    <a:bodyPr/>
-                    <a:lstStyle/>
-                    <a:p>
-                      <a:pPr marL="0" marR="0" algn="l">
-                        <a:lnSpc>
-                          <a:spcPct val="115000"/>
-                        </a:lnSpc>
-                        <a:spcBef>
-                          <a:spcPts val="0"/>
-                        </a:spcBef>
-                        <a:spcAft>
-                          <a:spcPts val="0"/>
-                        </a:spcAft>
-                      </a:pPr>
-                      <a:r>
-                        <a:rPr lang="en-US" sz="800">
-                          <a:effectLst/>
-                        </a:rPr>
-                        <a:t>Friend Network Attributes</a:t>
-                      </a:r>
-                      <a:endParaRPr lang="en-US" sz="1100">
-                        <a:effectLst/>
-                      </a:endParaRPr>
-                    </a:p>
-                    <a:p>
-                      <a:pPr marL="0" marR="0" algn="l">
-                        <a:lnSpc>
-                          <a:spcPct val="115000"/>
-                        </a:lnSpc>
-                        <a:spcBef>
-                          <a:spcPts val="0"/>
-                        </a:spcBef>
-                        <a:spcAft>
-                          <a:spcPts val="0"/>
-                        </a:spcAft>
-                      </a:pPr>
-                      <a:r>
-                        <a:rPr lang="en-US" sz="800">
-                          <a:effectLst/>
-                        </a:rPr>
-                        <a:t>     Ego Network Mean Scores</a:t>
-                      </a:r>
-                      <a:endParaRPr lang="en-US" sz="1100">
-                        <a:effectLst/>
-                      </a:endParaRPr>
-                    </a:p>
-                    <a:p>
-                      <a:pPr marL="0" marR="0" algn="l">
-                        <a:lnSpc>
-                          <a:spcPct val="115000"/>
-                        </a:lnSpc>
-                        <a:spcBef>
-                          <a:spcPts val="0"/>
-                        </a:spcBef>
-                        <a:spcAft>
-                          <a:spcPts val="0"/>
-                        </a:spcAft>
-                      </a:pPr>
-                      <a:r>
-                        <a:rPr lang="en-US" sz="800">
-                          <a:effectLst/>
-                        </a:rPr>
-                        <a:t>Proportion Claiming a Religion</a:t>
-                      </a:r>
-                      <a:endParaRPr lang="en-US" sz="1100">
-                        <a:effectLst/>
-                      </a:endParaRPr>
-                    </a:p>
-                    <a:p>
-                      <a:pPr marL="0" marR="0" algn="l">
-                        <a:lnSpc>
-                          <a:spcPct val="115000"/>
-                        </a:lnSpc>
-                        <a:spcBef>
-                          <a:spcPts val="0"/>
-                        </a:spcBef>
-                        <a:spcAft>
-                          <a:spcPts val="0"/>
-                        </a:spcAft>
-                      </a:pPr>
-                      <a:r>
-                        <a:rPr lang="en-US" sz="800">
-                          <a:effectLst/>
-                        </a:rPr>
-                        <a:t>Mean Worship Attendance</a:t>
-                      </a:r>
-                      <a:endParaRPr lang="en-US" sz="1100">
-                        <a:effectLst/>
-                      </a:endParaRPr>
-                    </a:p>
-                    <a:p>
-                      <a:pPr marL="0" marR="0" algn="l">
-                        <a:lnSpc>
-                          <a:spcPct val="115000"/>
-                        </a:lnSpc>
-                        <a:spcBef>
-                          <a:spcPts val="0"/>
-                        </a:spcBef>
-                        <a:spcAft>
-                          <a:spcPts val="0"/>
-                        </a:spcAft>
-                      </a:pPr>
-                      <a:r>
-                        <a:rPr lang="en-US" sz="800">
-                          <a:effectLst/>
-                        </a:rPr>
-                        <a:t>Mean Biblical Literalism</a:t>
-                      </a:r>
-                      <a:endParaRPr lang="en-US" sz="1100">
-                        <a:effectLst/>
-                      </a:endParaRPr>
-                    </a:p>
-                    <a:p>
-                      <a:pPr marL="0" marR="0" algn="l">
-                        <a:lnSpc>
-                          <a:spcPct val="115000"/>
-                        </a:lnSpc>
-                        <a:spcBef>
-                          <a:spcPts val="0"/>
-                        </a:spcBef>
-                        <a:spcAft>
-                          <a:spcPts val="0"/>
-                        </a:spcAft>
-                      </a:pPr>
-                      <a:r>
-                        <a:rPr lang="en-US" sz="800">
-                          <a:effectLst/>
-                        </a:rPr>
-                        <a:t>     Ego Network Heterogeneity</a:t>
-                      </a:r>
-                      <a:endParaRPr lang="en-US" sz="1100">
-                        <a:effectLst/>
-                      </a:endParaRPr>
-                    </a:p>
-                    <a:p>
-                      <a:pPr marL="0" marR="0" algn="l">
-                        <a:lnSpc>
-                          <a:spcPct val="115000"/>
-                        </a:lnSpc>
-                        <a:spcBef>
-                          <a:spcPts val="0"/>
-                        </a:spcBef>
-                        <a:spcAft>
-                          <a:spcPts val="0"/>
-                        </a:spcAft>
-                      </a:pPr>
-                      <a:r>
-                        <a:rPr lang="en-US" sz="800">
-                          <a:effectLst/>
-                        </a:rPr>
-                        <a:t>Racial/Ethnic Heterogeneity</a:t>
-                      </a:r>
-                      <a:endParaRPr lang="en-US" sz="1100">
-                        <a:effectLst/>
-                      </a:endParaRPr>
-                    </a:p>
-                    <a:p>
-                      <a:pPr marL="0" marR="0" algn="l">
-                        <a:lnSpc>
-                          <a:spcPct val="115000"/>
-                        </a:lnSpc>
-                        <a:spcBef>
-                          <a:spcPts val="0"/>
-                        </a:spcBef>
-                        <a:spcAft>
-                          <a:spcPts val="0"/>
-                        </a:spcAft>
-                      </a:pPr>
-                      <a:r>
-                        <a:rPr lang="en-US" sz="800">
-                          <a:effectLst/>
-                        </a:rPr>
-                        <a:t>Religious Heterogeneity</a:t>
-                      </a:r>
-                      <a:endParaRPr lang="en-US" sz="1100">
-                        <a:effectLst/>
-                        <a:latin typeface="Calibri" panose="020F0502020204030204" pitchFamily="34" charset="0"/>
-                        <a:ea typeface="MS Mincho" panose="02020609040205080304" pitchFamily="49" charset="-128"/>
-                        <a:cs typeface="Arial" panose="020B0604020202020204" pitchFamily="34" charset="0"/>
-                      </a:endParaRPr>
-                    </a:p>
-                  </a:txBody>
-                  <a:tcPr marL="68580" marR="68580" marT="0" marB="0"/>
+                  <a:tcPr marL="68580" marR="68580" marT="0" marB="0">
+                    <a:solidFill>
+                      <a:schemeClr val="tx2">
+                        <a:lumMod val="50000"/>
+                      </a:schemeClr>
+                    </a:solidFill>
+                  </a:tcPr>
                 </a:tc>
                 <a:tc>
                   <a:txBody>
@@ -6505,108 +6986,12 @@
                         </a:spcAft>
                       </a:pPr>
                       <a:r>
-                        <a:rPr lang="en-US" sz="800">
+                        <a:rPr lang="en-US" sz="800" b="1" dirty="0">
                           <a:effectLst/>
                         </a:rPr>
                         <a:t> </a:t>
                       </a:r>
-                      <a:endParaRPr lang="en-US" sz="1100">
-                        <a:effectLst/>
-                        <a:latin typeface="Calibri" panose="020F0502020204030204" pitchFamily="34" charset="0"/>
-                        <a:ea typeface="MS Mincho" panose="02020609040205080304" pitchFamily="49" charset="-128"/>
-                        <a:cs typeface="Arial" panose="020B0604020202020204" pitchFamily="34" charset="0"/>
-                      </a:endParaRPr>
-                    </a:p>
-                  </a:txBody>
-                  <a:tcPr marL="68580" marR="68580" marT="0" marB="0"/>
-                </a:tc>
-                <a:tc>
-                  <a:txBody>
-                    <a:bodyPr/>
-                    <a:lstStyle/>
-                    <a:p>
-                      <a:pPr marL="0" marR="0" algn="l">
-                        <a:lnSpc>
-                          <a:spcPct val="115000"/>
-                        </a:lnSpc>
-                        <a:spcBef>
-                          <a:spcPts val="0"/>
-                        </a:spcBef>
-                        <a:spcAft>
-                          <a:spcPts val="0"/>
-                        </a:spcAft>
-                      </a:pPr>
-                      <a:r>
-                        <a:rPr lang="en-US" sz="800">
-                          <a:effectLst/>
-                        </a:rPr>
-                        <a:t> </a:t>
-                      </a:r>
-                      <a:endParaRPr lang="en-US" sz="1100">
-                        <a:effectLst/>
-                        <a:latin typeface="Calibri" panose="020F0502020204030204" pitchFamily="34" charset="0"/>
-                        <a:ea typeface="MS Mincho" panose="02020609040205080304" pitchFamily="49" charset="-128"/>
-                        <a:cs typeface="Arial" panose="020B0604020202020204" pitchFamily="34" charset="0"/>
-                      </a:endParaRPr>
-                    </a:p>
-                  </a:txBody>
-                  <a:tcPr marL="68580" marR="68580" marT="0" marB="0"/>
-                </a:tc>
-                <a:tc>
-                  <a:txBody>
-                    <a:bodyPr/>
-                    <a:lstStyle/>
-                    <a:p>
-                      <a:pPr marL="0" marR="0" algn="l">
-                        <a:lnSpc>
-                          <a:spcPct val="115000"/>
-                        </a:lnSpc>
-                        <a:spcBef>
-                          <a:spcPts val="0"/>
-                        </a:spcBef>
-                        <a:spcAft>
-                          <a:spcPts val="0"/>
-                        </a:spcAft>
-                      </a:pPr>
-                      <a:r>
-                        <a:rPr lang="en-US" sz="800">
-                          <a:effectLst/>
-                        </a:rPr>
-                        <a:t> </a:t>
-                      </a:r>
-                      <a:endParaRPr lang="en-US" sz="1100">
-                        <a:effectLst/>
-                        <a:latin typeface="Calibri" panose="020F0502020204030204" pitchFamily="34" charset="0"/>
-                        <a:ea typeface="MS Mincho" panose="02020609040205080304" pitchFamily="49" charset="-128"/>
-                        <a:cs typeface="Arial" panose="020B0604020202020204" pitchFamily="34" charset="0"/>
-                      </a:endParaRPr>
-                    </a:p>
-                  </a:txBody>
-                  <a:tcPr marL="68580" marR="68580" marT="0" marB="0"/>
-                </a:tc>
-                <a:tc>
-                  <a:txBody>
-                    <a:bodyPr/>
-                    <a:lstStyle/>
-                    <a:p>
-                      <a:pPr marL="0" marR="0" algn="l">
-                        <a:lnSpc>
-                          <a:spcPct val="115000"/>
-                        </a:lnSpc>
-                        <a:spcBef>
-                          <a:spcPts val="0"/>
-                        </a:spcBef>
-                        <a:spcAft>
-                          <a:spcPts val="0"/>
-                        </a:spcAft>
-                      </a:pPr>
-                      <a:r>
-                        <a:rPr lang="en-US" sz="800">
-                          <a:effectLst/>
-                        </a:rPr>
-                        <a:t> </a:t>
-                      </a:r>
-                      <a:endParaRPr lang="en-US" sz="1100">
+                      <a:endParaRPr lang="en-US" sz="1100" b="1" dirty="0">
                         <a:effectLst/>
                       </a:endParaRPr>
                     </a:p>
@@ -6623,12 +7008,12 @@
                         </a:spcAft>
                       </a:pPr>
                       <a:r>
-                        <a:rPr lang="en-US" sz="800">
+                        <a:rPr lang="en-US" sz="800" b="1" dirty="0">
                           <a:effectLst/>
                         </a:rPr>
                         <a:t> </a:t>
                       </a:r>
-                      <a:endParaRPr lang="en-US" sz="1100">
+                      <a:endParaRPr lang="en-US" sz="1100" b="1" dirty="0">
                         <a:effectLst/>
                       </a:endParaRPr>
                     </a:p>
@@ -6645,12 +7030,12 @@
                         </a:spcAft>
                       </a:pPr>
                       <a:r>
-                        <a:rPr lang="en-US" sz="800">
+                        <a:rPr lang="en-US" sz="800" b="1" dirty="0">
                           <a:effectLst/>
                         </a:rPr>
                         <a:t>.078 (.080)</a:t>
                       </a:r>
-                      <a:endParaRPr lang="en-US" sz="1100">
+                      <a:endParaRPr lang="en-US" sz="1100" b="1" dirty="0">
                         <a:effectLst/>
                       </a:endParaRPr>
                     </a:p>
@@ -6667,12 +7052,12 @@
                         </a:spcAft>
                       </a:pPr>
                       <a:r>
-                        <a:rPr lang="en-US" sz="800">
+                        <a:rPr lang="en-US" sz="800" b="1" dirty="0">
                           <a:effectLst/>
                         </a:rPr>
                         <a:t>.049 (.021)*</a:t>
                       </a:r>
-                      <a:endParaRPr lang="en-US" sz="1100">
+                      <a:endParaRPr lang="en-US" sz="1100" b="1" dirty="0">
                         <a:effectLst/>
                       </a:endParaRPr>
                     </a:p>
@@ -6689,12 +7074,12 @@
                         </a:spcAft>
                       </a:pPr>
                       <a:r>
-                        <a:rPr lang="en-US" sz="800">
+                        <a:rPr lang="en-US" sz="800" b="1" dirty="0">
                           <a:effectLst/>
                         </a:rPr>
                         <a:t>.132 (.055)*</a:t>
                       </a:r>
-                      <a:endParaRPr lang="en-US" sz="1100">
+                      <a:endParaRPr lang="en-US" sz="1100" b="1" dirty="0">
                         <a:effectLst/>
                       </a:endParaRPr>
                     </a:p>
@@ -6711,12 +7096,12 @@
                         </a:spcAft>
                       </a:pPr>
                       <a:r>
-                        <a:rPr lang="en-US" sz="800">
+                        <a:rPr lang="en-US" sz="800" b="1" dirty="0">
                           <a:effectLst/>
                         </a:rPr>
                         <a:t> </a:t>
                       </a:r>
-                      <a:endParaRPr lang="en-US" sz="1100">
+                      <a:endParaRPr lang="en-US" sz="1100" b="1" dirty="0">
                         <a:effectLst/>
                       </a:endParaRPr>
                     </a:p>
@@ -6733,12 +7118,12 @@
                         </a:spcAft>
                       </a:pPr>
                       <a:r>
-                        <a:rPr lang="en-US" sz="800">
+                        <a:rPr lang="en-US" sz="800" b="1" dirty="0">
                           <a:effectLst/>
                         </a:rPr>
                         <a:t>.181 (.094)</a:t>
                       </a:r>
-                      <a:endParaRPr lang="en-US" sz="1100">
+                      <a:endParaRPr lang="en-US" sz="1100" b="1" dirty="0">
                         <a:effectLst/>
                       </a:endParaRPr>
                     </a:p>
@@ -6755,12 +7140,12 @@
                         </a:spcAft>
                       </a:pPr>
                       <a:r>
-                        <a:rPr lang="en-US" sz="800">
+                        <a:rPr lang="en-US" sz="800" b="1" dirty="0">
                           <a:effectLst/>
                         </a:rPr>
                         <a:t>-.200 (.068)**</a:t>
                       </a:r>
-                      <a:endParaRPr lang="en-US" sz="1100">
+                      <a:endParaRPr lang="en-US" sz="1100" b="1" dirty="0">
                         <a:effectLst/>
                         <a:latin typeface="Calibri" panose="020F0502020204030204" pitchFamily="34" charset="0"/>
                         <a:ea typeface="MS Mincho" panose="02020609040205080304" pitchFamily="49" charset="-128"/>
@@ -6768,7 +7153,13 @@
                       </a:endParaRPr>
                     </a:p>
                   </a:txBody>
-                  <a:tcPr marL="68580" marR="68580" marT="0" marB="0"/>
+                  <a:tcPr marL="68580" marR="68580" marT="0" marB="0">
+                    <a:solidFill>
+                      <a:schemeClr val="tx2">
+                        <a:lumMod val="50000"/>
+                      </a:schemeClr>
+                    </a:solidFill>
+                  </a:tcPr>
                 </a:tc>
               </a:tr>
               <a:tr h="158145">
@@ -7187,7 +7578,7 @@
 </p:sld>
 </file>
 
-<file path=ppt/slides/slide18.xml><?xml version="1.0" encoding="utf-8"?>
+<file path=ppt/slides/slide19.xml><?xml version="1.0" encoding="utf-8"?>
 <p:sld xmlns:a="http://schemas.openxmlformats.org/drawingml/2006/main" xmlns:r="http://schemas.openxmlformats.org/officeDocument/2006/relationships" xmlns:p="http://schemas.openxmlformats.org/presentationml/2006/main">
   <p:cSld>
     <p:spTree>
@@ -7214,19 +7605,14 @@
             <p:ph type="title"/>
           </p:nvPr>
         </p:nvSpPr>
-        <p:spPr>
-          <a:xfrm>
-            <a:off x="1261872" y="758952"/>
-            <a:ext cx="9418320" cy="2889939"/>
-          </a:xfrm>
-        </p:spPr>
+        <p:spPr/>
         <p:txBody>
           <a:bodyPr/>
           <a:lstStyle/>
           <a:p>
             <a:r>
               <a:rPr lang="en-US" dirty="0" smtClean="0"/>
-              <a:t>Acknowledgements</a:t>
+              <a:t>Sources</a:t>
             </a:r>
             <a:endParaRPr lang="en-US" dirty="0"/>
           </a:p>
@@ -7234,51 +7620,155 @@
       </p:sp>
       <p:sp>
         <p:nvSpPr>
-          <p:cNvPr id="4" name="Text Placeholder 3"/>
-          <p:cNvSpPr>
-            <a:spLocks noGrp="1"/>
-          </p:cNvSpPr>
-          <p:nvPr>
-            <p:ph type="body" idx="1"/>
-          </p:nvPr>
-        </p:nvSpPr>
-        <p:spPr>
-          <a:xfrm>
-            <a:off x="1261872" y="3648891"/>
-            <a:ext cx="9418320" cy="2843349"/>
-          </a:xfrm>
-        </p:spPr>
+          <p:cNvPr id="3" name="Content Placeholder 2"/>
+          <p:cNvSpPr>
+            <a:spLocks noGrp="1"/>
+          </p:cNvSpPr>
+          <p:nvPr>
+            <p:ph idx="1"/>
+          </p:nvPr>
+        </p:nvSpPr>
+        <p:spPr/>
         <p:txBody>
           <a:bodyPr/>
           <a:lstStyle/>
           <a:p>
             <a:r>
               <a:rPr lang="en-US" dirty="0" smtClean="0"/>
-              <a:t>Presentation made possible by Penn State Quantitative Social Science Initiative (</a:t>
-            </a:r>
+              <a:t>Data (Faux Mesa High)</a:t>
+            </a:r>
+          </a:p>
+          <a:p>
+            <a:pPr lvl="1"/>
+            <a:r>
+              <a:rPr lang="en-US" dirty="0"/>
+              <a:t>Hunter D.R., </a:t>
+            </a:r>
+            <a:r>
+              <a:rPr lang="en-US" dirty="0" err="1"/>
+              <a:t>Goodreau</a:t>
+            </a:r>
+            <a:r>
+              <a:rPr lang="en-US" dirty="0"/>
+              <a:t> S.M. and </a:t>
+            </a:r>
+            <a:r>
+              <a:rPr lang="en-US" dirty="0" err="1"/>
+              <a:t>Handcock</a:t>
+            </a:r>
+            <a:r>
+              <a:rPr lang="en-US" dirty="0"/>
+              <a:t> M.S. (2008). </a:t>
+            </a:r>
+            <a:r>
+              <a:rPr lang="en-US" i="1" dirty="0"/>
+              <a:t>Goodness of Fit of Social Network </a:t>
+            </a:r>
+            <a:r>
+              <a:rPr lang="en-US" i="1" dirty="0" err="1"/>
+              <a:t>Models</a:t>
+            </a:r>
+            <a:r>
+              <a:rPr lang="en-US" dirty="0" err="1"/>
+              <a:t>,</a:t>
+            </a:r>
+            <a:r>
+              <a:rPr lang="en-US" i="1" dirty="0" err="1"/>
+              <a:t>Journal</a:t>
+            </a:r>
+            <a:r>
+              <a:rPr lang="en-US" i="1" dirty="0"/>
+              <a:t> of the American Statistical Association</a:t>
+            </a:r>
+            <a:r>
+              <a:rPr lang="en-US" dirty="0" smtClean="0"/>
+              <a:t>.</a:t>
+            </a:r>
+          </a:p>
+          <a:p>
             <a:r>
               <a:rPr lang="en-US" dirty="0" err="1" smtClean="0"/>
-              <a:t>QuaSSI</a:t>
-            </a:r>
-            <a:r>
-              <a:rPr lang="en-US" dirty="0" smtClean="0"/>
-              <a:t>) and Big Data Social Science IGERT (BDSS)</a:t>
-            </a:r>
-          </a:p>
-          <a:p>
-            <a:r>
-              <a:rPr lang="en-US" dirty="0" smtClean="0"/>
-              <a:t>All demo code and procedures available at </a:t>
+              <a:t>Stata</a:t>
+            </a:r>
+            <a:r>
+              <a:rPr lang="en-US" dirty="0" smtClean="0"/>
+              <a:t> Networks page maintained by </a:t>
+            </a:r>
+            <a:r>
+              <a:rPr lang="en-US" dirty="0" err="1" smtClean="0"/>
+              <a:t>Rense</a:t>
+            </a:r>
+            <a:r>
+              <a:rPr lang="en-US" dirty="0" smtClean="0"/>
+              <a:t> </a:t>
+            </a:r>
+            <a:r>
+              <a:rPr lang="en-US" dirty="0" err="1" smtClean="0"/>
+              <a:t>Corten</a:t>
+            </a:r>
+            <a:endParaRPr lang="en-US" dirty="0" smtClean="0"/>
+          </a:p>
+          <a:p>
+            <a:pPr lvl="1"/>
+            <a:r>
+              <a:rPr lang="en-US" dirty="0">
+                <a:hlinkClick r:id="rId2"/>
+              </a:rPr>
+              <a:t>http://www.rensecorten.org/index.php/research/social-network-analysis-with-stata</a:t>
             </a:r>
             <a:r>
               <a:rPr lang="en-US" dirty="0" smtClean="0">
                 <a:hlinkClick r:id="rId2"/>
               </a:rPr>
-              <a:t>http://github.com/ndporter/snademo</a:t>
+              <a:t>/</a:t>
             </a:r>
             <a:endParaRPr lang="en-US" dirty="0" smtClean="0"/>
           </a:p>
           <a:p>
+            <a:r>
+              <a:rPr lang="en-US" dirty="0" smtClean="0"/>
+              <a:t>Primer on SNA using UCINET</a:t>
+            </a:r>
+          </a:p>
+          <a:p>
+            <a:pPr lvl="1"/>
+            <a:r>
+              <a:rPr lang="en-US" dirty="0" err="1"/>
+              <a:t>Borgatti</a:t>
+            </a:r>
+            <a:r>
+              <a:rPr lang="en-US" dirty="0"/>
+              <a:t>, Stephen P., Martin G. Everett, and Jeffrey C. Johnson. 2013. </a:t>
+            </a:r>
+            <a:r>
+              <a:rPr lang="en-US" i="1" dirty="0"/>
+              <a:t>Analyzing </a:t>
+            </a:r>
+            <a:r>
+              <a:rPr lang="en-US" i="1" dirty="0" smtClean="0"/>
+              <a:t>Social Networks</a:t>
+            </a:r>
+            <a:r>
+              <a:rPr lang="en-US" dirty="0"/>
+              <a:t>. Thousand Oaks, CA: </a:t>
+            </a:r>
+            <a:r>
+              <a:rPr lang="en-US" dirty="0" smtClean="0"/>
+              <a:t>Sage</a:t>
+            </a:r>
+          </a:p>
+          <a:p>
+            <a:r>
+              <a:rPr lang="en-US" dirty="0" smtClean="0"/>
+              <a:t>Individual Software Packages</a:t>
+            </a:r>
+          </a:p>
+          <a:p>
+            <a:pPr lvl="1"/>
+            <a:r>
+              <a:rPr lang="en-US" dirty="0" smtClean="0"/>
+              <a:t>Links embedded in slide “Roadmap for Live Demo”</a:t>
+            </a:r>
             <a:endParaRPr lang="en-US" dirty="0"/>
           </a:p>
         </p:txBody>
@@ -7286,20 +7776,13 @@
     </p:spTree>
     <p:extLst>
       <p:ext uri="{BB962C8B-B14F-4D97-AF65-F5344CB8AC3E}">
-        <p14:creationId xmlns:p14="http://schemas.microsoft.com/office/powerpoint/2010/main" val="2710577795"/>
+        <p14:creationId xmlns:p14="http://schemas.microsoft.com/office/powerpoint/2010/main" val="3081296881"/>
       </p:ext>
     </p:extLst>
   </p:cSld>
   <p:clrMapOvr>
     <a:masterClrMapping/>
   </p:clrMapOvr>
-  <p:timing>
-    <p:tnLst>
-      <p:par>
-        <p:cTn id="1" dur="indefinite" restart="never" nodeType="tmRoot"/>
-      </p:par>
-    </p:tnLst>
-  </p:timing>
 </p:sld>
 </file>
 
@@ -7717,6 +8200,122 @@
 </p:sld>
 </file>
 
+<file path=ppt/slides/slide20.xml><?xml version="1.0" encoding="utf-8"?>
+<p:sld xmlns:a="http://schemas.openxmlformats.org/drawingml/2006/main" xmlns:r="http://schemas.openxmlformats.org/officeDocument/2006/relationships" xmlns:p="http://schemas.openxmlformats.org/presentationml/2006/main">
+  <p:cSld>
+    <p:spTree>
+      <p:nvGrpSpPr>
+        <p:cNvPr id="1" name=""/>
+        <p:cNvGrpSpPr/>
+        <p:nvPr/>
+      </p:nvGrpSpPr>
+      <p:grpSpPr>
+        <a:xfrm>
+          <a:off x="0" y="0"/>
+          <a:ext cx="0" cy="0"/>
+          <a:chOff x="0" y="0"/>
+          <a:chExt cx="0" cy="0"/>
+        </a:xfrm>
+      </p:grpSpPr>
+      <p:sp>
+        <p:nvSpPr>
+          <p:cNvPr id="2" name="Title 1"/>
+          <p:cNvSpPr>
+            <a:spLocks noGrp="1"/>
+          </p:cNvSpPr>
+          <p:nvPr>
+            <p:ph type="title"/>
+          </p:nvPr>
+        </p:nvSpPr>
+        <p:spPr>
+          <a:xfrm>
+            <a:off x="1261872" y="758952"/>
+            <a:ext cx="9418320" cy="2889939"/>
+          </a:xfrm>
+        </p:spPr>
+        <p:txBody>
+          <a:bodyPr/>
+          <a:lstStyle/>
+          <a:p>
+            <a:r>
+              <a:rPr lang="en-US" dirty="0" smtClean="0"/>
+              <a:t>Acknowledgements</a:t>
+            </a:r>
+            <a:endParaRPr lang="en-US" dirty="0"/>
+          </a:p>
+        </p:txBody>
+      </p:sp>
+      <p:sp>
+        <p:nvSpPr>
+          <p:cNvPr id="4" name="Text Placeholder 3"/>
+          <p:cNvSpPr>
+            <a:spLocks noGrp="1"/>
+          </p:cNvSpPr>
+          <p:nvPr>
+            <p:ph type="body" idx="1"/>
+          </p:nvPr>
+        </p:nvSpPr>
+        <p:spPr>
+          <a:xfrm>
+            <a:off x="1261872" y="3648891"/>
+            <a:ext cx="9418320" cy="2843349"/>
+          </a:xfrm>
+        </p:spPr>
+        <p:txBody>
+          <a:bodyPr/>
+          <a:lstStyle/>
+          <a:p>
+            <a:r>
+              <a:rPr lang="en-US" dirty="0" smtClean="0"/>
+              <a:t>Presentation made possible by Penn State Quantitative Social Science Initiative (</a:t>
+            </a:r>
+            <a:r>
+              <a:rPr lang="en-US" dirty="0" err="1" smtClean="0"/>
+              <a:t>QuaSSI</a:t>
+            </a:r>
+            <a:r>
+              <a:rPr lang="en-US" dirty="0" smtClean="0"/>
+              <a:t>) and Big Data Social Science IGERT (BDSS)</a:t>
+            </a:r>
+          </a:p>
+          <a:p>
+            <a:r>
+              <a:rPr lang="en-US" dirty="0" smtClean="0"/>
+              <a:t>All demo code and procedures available at </a:t>
+            </a:r>
+            <a:r>
+              <a:rPr lang="en-US" dirty="0" smtClean="0">
+                <a:hlinkClick r:id="rId2"/>
+              </a:rPr>
+              <a:t>http://github.com/ndporter/snademo</a:t>
+            </a:r>
+            <a:endParaRPr lang="en-US" dirty="0" smtClean="0"/>
+          </a:p>
+          <a:p>
+            <a:endParaRPr lang="en-US" dirty="0"/>
+          </a:p>
+        </p:txBody>
+      </p:sp>
+    </p:spTree>
+    <p:extLst>
+      <p:ext uri="{BB962C8B-B14F-4D97-AF65-F5344CB8AC3E}">
+        <p14:creationId xmlns:p14="http://schemas.microsoft.com/office/powerpoint/2010/main" val="2710577795"/>
+      </p:ext>
+    </p:extLst>
+  </p:cSld>
+  <p:clrMapOvr>
+    <a:masterClrMapping/>
+  </p:clrMapOvr>
+  <p:timing>
+    <p:tnLst>
+      <p:par>
+        <p:cTn id="1" dur="indefinite" restart="never" nodeType="tmRoot"/>
+      </p:par>
+    </p:tnLst>
+  </p:timing>
+</p:sld>
+</file>
+
 <file path=ppt/slides/slide3.xml><?xml version="1.0" encoding="utf-8"?>
 <p:sld xmlns:a="http://schemas.openxmlformats.org/drawingml/2006/main" xmlns:r="http://schemas.openxmlformats.org/officeDocument/2006/relationships" xmlns:p="http://schemas.openxmlformats.org/presentationml/2006/main">
   <p:cSld>
@@ -7804,7 +8403,6 @@
               <a:rPr lang="en-US" dirty="0" smtClean="0"/>
               <a:t>Homophily</a:t>
             </a:r>
-            <a:endParaRPr lang="en-US" dirty="0" smtClean="0"/>
           </a:p>
           <a:p>
             <a:r>
@@ -8004,7 +8602,6 @@
               <a:rPr lang="en-US" dirty="0" smtClean="0"/>
               <a:t>Integrating the two (regression and SNA) can be a challenge</a:t>
             </a:r>
-            <a:endParaRPr lang="en-US" dirty="0" smtClean="0"/>
           </a:p>
           <a:p>
             <a:r>
@@ -8018,7 +8615,6 @@
               <a:rPr lang="en-US" dirty="0" smtClean="0"/>
               <a:t>Depending on the question, data management and interpretation can be time consuming</a:t>
             </a:r>
-            <a:endParaRPr lang="en-US" dirty="0" smtClean="0"/>
           </a:p>
         </p:txBody>
       </p:sp>
@@ -8408,11 +9004,7 @@
           <a:p>
             <a:r>
               <a:rPr lang="en-US" dirty="0" smtClean="0"/>
-              <a:t>Basics II: </a:t>
-            </a:r>
-            <a:r>
-              <a:rPr lang="en-US" dirty="0" smtClean="0"/>
-              <a:t>Node-Level Measures</a:t>
+              <a:t>Basics II: Node-Level Measures</a:t>
             </a:r>
             <a:endParaRPr lang="en-US" dirty="0"/>
           </a:p>
@@ -8459,11 +9051,7 @@
             <a:pPr lvl="1"/>
             <a:r>
               <a:rPr lang="en-US" dirty="0" smtClean="0"/>
-              <a:t>Degree</a:t>
-            </a:r>
-            <a:r>
-              <a:rPr lang="en-US" dirty="0" smtClean="0"/>
-              <a:t>: the number of edges going to/from a node for a given relation</a:t>
+              <a:t>Degree: the number of edges going to/from a node for a given relation</a:t>
             </a:r>
           </a:p>
           <a:p>
@@ -8616,15 +9204,7 @@
             </a:r>
             <a:r>
               <a:rPr lang="en-US" dirty="0" smtClean="0"/>
-              <a:t>(Windows, free Excel </a:t>
-            </a:r>
-            <a:r>
-              <a:rPr lang="en-US" dirty="0" smtClean="0"/>
-              <a:t>2007-2013 plugin </a:t>
-            </a:r>
-            <a:r>
-              <a:rPr lang="en-US" dirty="0" smtClean="0"/>
-              <a:t>from </a:t>
+              <a:t>(Windows, free Excel 2007-2013 plugin from </a:t>
             </a:r>
             <a:r>
               <a:rPr lang="en-US" dirty="0" err="1" smtClean="0"/>
@@ -8814,7 +9394,15 @@
           <a:p>
             <a:r>
               <a:rPr lang="en-US" dirty="0" smtClean="0"/>
-              <a:t>Data: Faux Mesa High</a:t>
+              <a:t>Using this from </a:t>
+            </a:r>
+            <a:r>
+              <a:rPr lang="en-US" dirty="0" err="1" smtClean="0"/>
+              <a:t>Git</a:t>
+            </a:r>
+            <a:r>
+              <a:rPr lang="en-US" dirty="0" smtClean="0"/>
+              <a:t> (no live demo)</a:t>
             </a:r>
             <a:endParaRPr lang="en-US" dirty="0"/>
           </a:p>
@@ -8827,160 +9415,132 @@
             <a:spLocks noGrp="1"/>
           </p:cNvSpPr>
           <p:nvPr>
-            <p:ph sz="half" idx="1"/>
+            <p:ph idx="1"/>
           </p:nvPr>
         </p:nvSpPr>
         <p:spPr/>
         <p:txBody>
-          <a:bodyPr/>
+          <a:bodyPr>
+            <a:normAutofit lnSpcReduction="10000"/>
+          </a:bodyPr>
           <a:lstStyle/>
           <a:p>
             <a:r>
               <a:rPr lang="en-US" dirty="0" smtClean="0"/>
-              <a:t>“This </a:t>
-            </a:r>
-            <a:r>
-              <a:rPr lang="en-US" dirty="0"/>
-              <a:t>data set (formerly called “</a:t>
-            </a:r>
-            <a:r>
-              <a:rPr lang="en-US" dirty="0" err="1"/>
-              <a:t>fauxhigh</a:t>
-            </a:r>
-            <a:r>
-              <a:rPr lang="en-US" dirty="0"/>
-              <a:t>”) represents a simulation of an in-school </a:t>
-            </a:r>
-            <a:r>
-              <a:rPr lang="en-US" dirty="0" smtClean="0"/>
-              <a:t>[mutual] friendship </a:t>
-            </a:r>
-            <a:r>
-              <a:rPr lang="en-US" dirty="0"/>
-              <a:t>network. The network is named </a:t>
-            </a:r>
-            <a:r>
-              <a:rPr lang="en-US" dirty="0" err="1"/>
-              <a:t>faux.mesa.high</a:t>
-            </a:r>
-            <a:r>
-              <a:rPr lang="en-US" dirty="0"/>
-              <a:t> because the school </a:t>
-            </a:r>
-            <a:r>
-              <a:rPr lang="en-US" dirty="0" smtClean="0"/>
-              <a:t>community </a:t>
-            </a:r>
-            <a:r>
-              <a:rPr lang="en-US" dirty="0"/>
-              <a:t>on which it is based is in the rural western US, with a student body that is largely Hispanic and Native American</a:t>
-            </a:r>
-            <a:r>
-              <a:rPr lang="en-US" dirty="0" smtClean="0"/>
-              <a:t>.” (R package description)</a:t>
+              <a:t>Download the demo (from below) and data specified if necessary then follow directions or execute script</a:t>
             </a:r>
           </a:p>
           <a:p>
             <a:pPr lvl="1"/>
             <a:r>
               <a:rPr lang="en-US" dirty="0" smtClean="0"/>
-              <a:t>Original reference: </a:t>
-            </a:r>
-            <a:r>
-              <a:rPr lang="en-US" dirty="0"/>
-              <a:t>Hunter D.R., </a:t>
-            </a:r>
-            <a:r>
-              <a:rPr lang="en-US" dirty="0" err="1"/>
-              <a:t>Goodreau</a:t>
-            </a:r>
-            <a:r>
-              <a:rPr lang="en-US" dirty="0"/>
-              <a:t> S.M. and </a:t>
-            </a:r>
-            <a:r>
-              <a:rPr lang="en-US" dirty="0" err="1"/>
-              <a:t>Handcock</a:t>
-            </a:r>
-            <a:r>
-              <a:rPr lang="en-US" dirty="0"/>
-              <a:t> M.S. (2008). </a:t>
-            </a:r>
-            <a:r>
-              <a:rPr lang="en-US" i="1" dirty="0"/>
-              <a:t>Goodness of Fit of Social Network </a:t>
-            </a:r>
-            <a:r>
-              <a:rPr lang="en-US" i="1" dirty="0" err="1"/>
-              <a:t>Models</a:t>
-            </a:r>
-            <a:r>
-              <a:rPr lang="en-US" dirty="0" err="1"/>
-              <a:t>,</a:t>
-            </a:r>
-            <a:r>
-              <a:rPr lang="en-US" i="1" dirty="0" err="1"/>
-              <a:t>Journal</a:t>
-            </a:r>
-            <a:r>
-              <a:rPr lang="en-US" i="1" dirty="0"/>
-              <a:t> of the American Statistical Association</a:t>
-            </a:r>
-            <a:r>
-              <a:rPr lang="en-US" dirty="0" smtClean="0"/>
-              <a:t>.</a:t>
-            </a:r>
-          </a:p>
-          <a:p>
-            <a:r>
-              <a:rPr lang="en-US" dirty="0" smtClean="0"/>
-              <a:t>205 Students (9-12), 203 friendships</a:t>
-            </a:r>
-          </a:p>
-        </p:txBody>
-      </p:sp>
-      <p:pic>
-        <p:nvPicPr>
-          <p:cNvPr id="6" name="Content Placeholder 5"/>
-          <p:cNvPicPr>
-            <a:picLocks noGrp="1" noChangeAspect="1"/>
-          </p:cNvPicPr>
-          <p:nvPr>
-            <p:ph sz="half" idx="2"/>
-          </p:nvPr>
-        </p:nvPicPr>
-        <p:blipFill rotWithShape="1">
-          <a:blip r:embed="rId2"/>
-          <a:srcRect l="18981" t="12463" r="14313" b="16203"/>
-          <a:stretch/>
-        </p:blipFill>
-        <p:spPr>
-          <a:xfrm>
-            <a:off x="6203091" y="1796145"/>
-            <a:ext cx="4406853" cy="4126859"/>
-          </a:xfrm>
-          <a:prstGeom prst="rect">
-            <a:avLst/>
-          </a:prstGeom>
-        </p:spPr>
-      </p:pic>
+              <a:t>Be sure to edit any paths in the script to match your own computer</a:t>
+            </a:r>
+          </a:p>
+          <a:p>
+            <a:r>
+              <a:rPr lang="en-US" dirty="0" smtClean="0"/>
+              <a:t>Current Demos available at </a:t>
+            </a:r>
+            <a:r>
+              <a:rPr lang="en-US" dirty="0" smtClean="0">
+                <a:hlinkClick r:id="rId2"/>
+              </a:rPr>
+              <a:t>https://github.com/ndporter/snademo</a:t>
+            </a:r>
+            <a:endParaRPr lang="en-US" dirty="0" smtClean="0"/>
+          </a:p>
+          <a:p>
+            <a:pPr lvl="1"/>
+            <a:r>
+              <a:rPr lang="en-US" dirty="0" smtClean="0"/>
+              <a:t>Walkthroughs (for Graphical or Point and Click Interfaces)</a:t>
+            </a:r>
+          </a:p>
+          <a:p>
+            <a:pPr lvl="2"/>
+            <a:r>
+              <a:rPr lang="en-US" dirty="0" err="1" smtClean="0"/>
+              <a:t>NodeXL</a:t>
+            </a:r>
+            <a:endParaRPr lang="en-US" dirty="0" smtClean="0"/>
+          </a:p>
+          <a:p>
+            <a:pPr lvl="2"/>
+            <a:r>
+              <a:rPr lang="en-US" dirty="0" smtClean="0"/>
+              <a:t>UCINET</a:t>
+            </a:r>
+          </a:p>
+          <a:p>
+            <a:pPr lvl="1"/>
+            <a:r>
+              <a:rPr lang="en-US" dirty="0" smtClean="0"/>
+              <a:t>Code/Scripts</a:t>
+            </a:r>
+          </a:p>
+          <a:p>
+            <a:pPr lvl="2"/>
+            <a:r>
+              <a:rPr lang="en-US" dirty="0" smtClean="0"/>
+              <a:t>R (2 scripts)</a:t>
+            </a:r>
+          </a:p>
+          <a:p>
+            <a:pPr lvl="3"/>
+            <a:r>
+              <a:rPr lang="en-US" dirty="0" smtClean="0"/>
+              <a:t>Extract data for examples</a:t>
+            </a:r>
+          </a:p>
+          <a:p>
+            <a:pPr lvl="3"/>
+            <a:r>
+              <a:rPr lang="en-US" dirty="0" smtClean="0"/>
+              <a:t>Use R to get network information/measures</a:t>
+            </a:r>
+          </a:p>
+          <a:p>
+            <a:pPr lvl="2"/>
+            <a:r>
+              <a:rPr lang="en-US" dirty="0" err="1" smtClean="0"/>
+              <a:t>Stata</a:t>
+            </a:r>
+            <a:endParaRPr lang="en-US" dirty="0" smtClean="0"/>
+          </a:p>
+          <a:p>
+            <a:pPr lvl="1"/>
+            <a:r>
+              <a:rPr lang="en-US" dirty="0" smtClean="0"/>
+              <a:t>Future expansion</a:t>
+            </a:r>
+          </a:p>
+          <a:p>
+            <a:pPr lvl="2"/>
+            <a:r>
+              <a:rPr lang="en-US" dirty="0" smtClean="0"/>
+              <a:t>SAS- network measures using Moody’s SPAN macros</a:t>
+            </a:r>
+          </a:p>
+          <a:p>
+            <a:pPr lvl="2"/>
+            <a:r>
+              <a:rPr lang="en-US" dirty="0" smtClean="0"/>
+              <a:t>More options in all demos</a:t>
+            </a:r>
+          </a:p>
+        </p:txBody>
+      </p:sp>
     </p:spTree>
     <p:extLst>
       <p:ext uri="{BB962C8B-B14F-4D97-AF65-F5344CB8AC3E}">
-        <p14:creationId xmlns:p14="http://schemas.microsoft.com/office/powerpoint/2010/main" val="3714662434"/>
+        <p14:creationId xmlns:p14="http://schemas.microsoft.com/office/powerpoint/2010/main" val="2623567375"/>
       </p:ext>
     </p:extLst>
   </p:cSld>
   <p:clrMapOvr>
     <a:masterClrMapping/>
   </p:clrMapOvr>
-  <p:timing>
-    <p:tnLst>
-      <p:par>
-        <p:cTn id="1" dur="indefinite" restart="never" nodeType="tmRoot"/>
-      </p:par>
-    </p:tnLst>
-  </p:timing>
 </p:sld>
 </file>
 
